--- a/Qualite de code et PSCodeHealth.pptx
+++ b/Qualite de code et PSCodeHealth.pptx
@@ -3790,7 +3790,7 @@
           <a:p>
             <a:fld id="{3CCDA83E-EA51-4128-A010-1A549244A730}" type="datetimeFigureOut">
               <a:rPr lang="en-US" smtClean="0"/>
-              <a:t>11/12/2017</a:t>
+              <a:t>11/23/2017</a:t>
             </a:fld>
             <a:endParaRPr lang="en-US"/>
           </a:p>
@@ -4002,7 +4002,7 @@
           <a:p>
             <a:fld id="{3CCDA83E-EA51-4128-A010-1A549244A730}" type="datetimeFigureOut">
               <a:rPr lang="en-US" smtClean="0"/>
-              <a:t>11/12/2017</a:t>
+              <a:t>11/23/2017</a:t>
             </a:fld>
             <a:endParaRPr lang="en-US"/>
           </a:p>
@@ -4189,7 +4189,7 @@
           <a:p>
             <a:fld id="{3CCDA83E-EA51-4128-A010-1A549244A730}" type="datetimeFigureOut">
               <a:rPr lang="en-US" smtClean="0"/>
-              <a:t>11/12/2017</a:t>
+              <a:t>11/23/2017</a:t>
             </a:fld>
             <a:endParaRPr lang="en-US"/>
           </a:p>
@@ -4286,7 +4286,7 @@
           <a:p>
             <a:fld id="{3CCDA83E-EA51-4128-A010-1A549244A730}" type="datetimeFigureOut">
               <a:rPr lang="en-US" smtClean="0"/>
-              <a:t>11/12/2017</a:t>
+              <a:t>11/23/2017</a:t>
             </a:fld>
             <a:endParaRPr lang="en-US"/>
           </a:p>
@@ -4882,7 +4882,7 @@
           <a:p>
             <a:fld id="{3CCDA83E-EA51-4128-A010-1A549244A730}" type="datetimeFigureOut">
               <a:rPr lang="en-US" smtClean="0"/>
-              <a:t>11/12/2017</a:t>
+              <a:t>11/23/2017</a:t>
             </a:fld>
             <a:endParaRPr lang="en-US"/>
           </a:p>
@@ -4979,7 +4979,7 @@
           <a:p>
             <a:fld id="{3CCDA83E-EA51-4128-A010-1A549244A730}" type="datetimeFigureOut">
               <a:rPr lang="en-US" smtClean="0"/>
-              <a:t>11/12/2017</a:t>
+              <a:t>11/23/2017</a:t>
             </a:fld>
             <a:endParaRPr lang="en-US"/>
           </a:p>
@@ -5584,7 +5584,7 @@
           <a:p>
             <a:fld id="{3CCDA83E-EA51-4128-A010-1A549244A730}" type="datetimeFigureOut">
               <a:rPr lang="en-US" smtClean="0"/>
-              <a:t>11/12/2017</a:t>
+              <a:t>11/23/2017</a:t>
             </a:fld>
             <a:endParaRPr lang="en-US"/>
           </a:p>
@@ -5727,7 +5727,7 @@
           <a:p>
             <a:fld id="{3CCDA83E-EA51-4128-A010-1A549244A730}" type="datetimeFigureOut">
               <a:rPr lang="en-US" smtClean="0"/>
-              <a:t>11/12/2017</a:t>
+              <a:t>11/23/2017</a:t>
             </a:fld>
             <a:endParaRPr lang="en-US"/>
           </a:p>
@@ -5824,7 +5824,7 @@
           <a:p>
             <a:fld id="{3CCDA83E-EA51-4128-A010-1A549244A730}" type="datetimeFigureOut">
               <a:rPr lang="en-US" smtClean="0"/>
-              <a:t>11/12/2017</a:t>
+              <a:t>11/23/2017</a:t>
             </a:fld>
             <a:endParaRPr lang="en-US"/>
           </a:p>
@@ -6108,7 +6108,7 @@
           <a:p>
             <a:fld id="{3CCDA83E-EA51-4128-A010-1A549244A730}" type="datetimeFigureOut">
               <a:rPr lang="en-US" smtClean="0"/>
-              <a:t>11/12/2017</a:t>
+              <a:t>11/23/2017</a:t>
             </a:fld>
             <a:endParaRPr lang="en-US"/>
           </a:p>
@@ -6630,7 +6630,7 @@
           <a:p>
             <a:fld id="{3CCDA83E-EA51-4128-A010-1A549244A730}" type="datetimeFigureOut">
               <a:rPr lang="en-US" smtClean="0"/>
-              <a:t>11/12/2017</a:t>
+              <a:t>11/23/2017</a:t>
             </a:fld>
             <a:endParaRPr lang="en-US"/>
           </a:p>
@@ -7171,7 +7171,7 @@
           <a:p>
             <a:fld id="{3CCDA83E-EA51-4128-A010-1A549244A730}" type="datetimeFigureOut">
               <a:rPr lang="en-US" smtClean="0"/>
-              <a:t>11/12/2017</a:t>
+              <a:t>11/23/2017</a:t>
             </a:fld>
             <a:endParaRPr lang="en-US"/>
           </a:p>
@@ -9146,13 +9146,13 @@
         </p:nvSpPr>
         <p:spPr>
           <a:xfrm>
-            <a:off x="1295400" y="2057400"/>
-            <a:ext cx="6400800" cy="4312920"/>
+            <a:off x="1295400" y="2819400"/>
+            <a:ext cx="6400800" cy="3550920"/>
           </a:xfrm>
         </p:spPr>
         <p:txBody>
           <a:bodyPr>
-            <a:normAutofit fontScale="92500"/>
+            <a:normAutofit/>
           </a:bodyPr>
           <a:lstStyle/>
           <a:p>
@@ -9165,24 +9165,33 @@
             </a:pPr>
             <a:r>
               <a:rPr lang="en-US" dirty="0" smtClean="0"/>
-              <a:t> Suit les conventions </a:t>
-            </a:r>
-            <a:r>
-              <a:rPr lang="en-US" dirty="0" err="1" smtClean="0"/>
-              <a:t>adoptées</a:t>
-            </a:r>
-            <a:r>
-              <a:rPr lang="en-US" dirty="0" smtClean="0"/>
-              <a:t> par la </a:t>
-            </a:r>
-            <a:r>
-              <a:rPr lang="en-US" dirty="0" err="1" smtClean="0"/>
-              <a:t>communauté</a:t>
-            </a:r>
-            <a:r>
-              <a:rPr lang="en-US" dirty="0" smtClean="0"/>
-              <a:t> PowerShell</a:t>
-            </a:r>
+              <a:t> Suit </a:t>
+            </a:r>
+            <a:r>
+              <a:rPr lang="en-US" dirty="0" smtClean="0"/>
+              <a:t>des </a:t>
+            </a:r>
+            <a:r>
+              <a:rPr lang="en-US" dirty="0" err="1" smtClean="0"/>
+              <a:t>pratiques</a:t>
+            </a:r>
+            <a:r>
+              <a:rPr lang="en-US" dirty="0" smtClean="0"/>
+              <a:t> de style de </a:t>
+            </a:r>
+            <a:r>
+              <a:rPr lang="en-US" dirty="0" err="1" smtClean="0"/>
+              <a:t>manière</a:t>
+            </a:r>
+            <a:r>
+              <a:rPr lang="en-US" dirty="0" smtClean="0"/>
+              <a:t> </a:t>
+            </a:r>
+            <a:r>
+              <a:rPr lang="en-US" dirty="0" err="1" smtClean="0"/>
+              <a:t>uniforme</a:t>
+            </a:r>
+            <a:endParaRPr lang="en-US" dirty="0"/>
           </a:p>
           <a:p>
             <a:pPr>
@@ -9193,40 +9202,6 @@
               <a:buChar char="o"/>
             </a:pPr>
             <a:r>
-              <a:rPr lang="en-US" dirty="0" smtClean="0"/>
-              <a:t> Suit des </a:t>
-            </a:r>
-            <a:r>
-              <a:rPr lang="en-US" dirty="0" err="1" smtClean="0"/>
-              <a:t>pratiques</a:t>
-            </a:r>
-            <a:r>
-              <a:rPr lang="en-US" dirty="0" smtClean="0"/>
-              <a:t> de style de </a:t>
-            </a:r>
-            <a:r>
-              <a:rPr lang="en-US" dirty="0" err="1" smtClean="0"/>
-              <a:t>manière</a:t>
-            </a:r>
-            <a:r>
-              <a:rPr lang="en-US" dirty="0" smtClean="0"/>
-              <a:t> </a:t>
-            </a:r>
-            <a:r>
-              <a:rPr lang="en-US" dirty="0" err="1" smtClean="0"/>
-              <a:t>uniforme</a:t>
-            </a:r>
-            <a:endParaRPr lang="en-US" dirty="0"/>
-          </a:p>
-          <a:p>
-            <a:pPr>
-              <a:lnSpc>
-                <a:spcPts val="3600"/>
-              </a:lnSpc>
-              <a:buFont typeface="Courier New" panose="02070309020205020404" pitchFamily="49" charset="0"/>
-              <a:buChar char="o"/>
-            </a:pPr>
-            <a:r>
               <a:rPr lang="en-US" dirty="0"/>
               <a:t> </a:t>
             </a:r>
@@ -9344,36 +9319,6 @@
               <a:t>explicités</a:t>
             </a:r>
             <a:endParaRPr lang="en-US" dirty="0" smtClean="0"/>
-          </a:p>
-          <a:p>
-            <a:pPr>
-              <a:lnSpc>
-                <a:spcPts val="3600"/>
-              </a:lnSpc>
-              <a:buFont typeface="Courier New" panose="02070309020205020404" pitchFamily="49" charset="0"/>
-              <a:buChar char="o"/>
-            </a:pPr>
-            <a:r>
-              <a:rPr lang="en-US" dirty="0"/>
-              <a:t> </a:t>
-            </a:r>
-            <a:r>
-              <a:rPr lang="en-US" dirty="0" err="1" smtClean="0"/>
-              <a:t>Divisé</a:t>
-            </a:r>
-            <a:r>
-              <a:rPr lang="en-US" dirty="0" smtClean="0"/>
-              <a:t> </a:t>
-            </a:r>
-            <a:r>
-              <a:rPr lang="en-US" dirty="0" err="1" smtClean="0"/>
-              <a:t>en</a:t>
-            </a:r>
-            <a:r>
-              <a:rPr lang="en-US" dirty="0" smtClean="0"/>
-              <a:t> blocs courts</a:t>
-            </a:r>
-            <a:endParaRPr lang="en-US" dirty="0"/>
           </a:p>
         </p:txBody>
       </p:sp>

--- a/Qualite de code et PSCodeHealth.pptx
+++ b/Qualite de code et PSCodeHealth.pptx
@@ -3790,7 +3790,7 @@
           <a:p>
             <a:fld id="{3CCDA83E-EA51-4128-A010-1A549244A730}" type="datetimeFigureOut">
               <a:rPr lang="en-US" smtClean="0"/>
-              <a:t>11/23/2017</a:t>
+              <a:t>11/24/2017</a:t>
             </a:fld>
             <a:endParaRPr lang="en-US"/>
           </a:p>
@@ -4002,7 +4002,7 @@
           <a:p>
             <a:fld id="{3CCDA83E-EA51-4128-A010-1A549244A730}" type="datetimeFigureOut">
               <a:rPr lang="en-US" smtClean="0"/>
-              <a:t>11/23/2017</a:t>
+              <a:t>11/24/2017</a:t>
             </a:fld>
             <a:endParaRPr lang="en-US"/>
           </a:p>
@@ -4189,7 +4189,7 @@
           <a:p>
             <a:fld id="{3CCDA83E-EA51-4128-A010-1A549244A730}" type="datetimeFigureOut">
               <a:rPr lang="en-US" smtClean="0"/>
-              <a:t>11/23/2017</a:t>
+              <a:t>11/24/2017</a:t>
             </a:fld>
             <a:endParaRPr lang="en-US"/>
           </a:p>
@@ -4286,7 +4286,7 @@
           <a:p>
             <a:fld id="{3CCDA83E-EA51-4128-A010-1A549244A730}" type="datetimeFigureOut">
               <a:rPr lang="en-US" smtClean="0"/>
-              <a:t>11/23/2017</a:t>
+              <a:t>11/24/2017</a:t>
             </a:fld>
             <a:endParaRPr lang="en-US"/>
           </a:p>
@@ -4882,7 +4882,7 @@
           <a:p>
             <a:fld id="{3CCDA83E-EA51-4128-A010-1A549244A730}" type="datetimeFigureOut">
               <a:rPr lang="en-US" smtClean="0"/>
-              <a:t>11/23/2017</a:t>
+              <a:t>11/24/2017</a:t>
             </a:fld>
             <a:endParaRPr lang="en-US"/>
           </a:p>
@@ -4979,7 +4979,7 @@
           <a:p>
             <a:fld id="{3CCDA83E-EA51-4128-A010-1A549244A730}" type="datetimeFigureOut">
               <a:rPr lang="en-US" smtClean="0"/>
-              <a:t>11/23/2017</a:t>
+              <a:t>11/24/2017</a:t>
             </a:fld>
             <a:endParaRPr lang="en-US"/>
           </a:p>
@@ -5584,7 +5584,7 @@
           <a:p>
             <a:fld id="{3CCDA83E-EA51-4128-A010-1A549244A730}" type="datetimeFigureOut">
               <a:rPr lang="en-US" smtClean="0"/>
-              <a:t>11/23/2017</a:t>
+              <a:t>11/24/2017</a:t>
             </a:fld>
             <a:endParaRPr lang="en-US"/>
           </a:p>
@@ -5727,7 +5727,7 @@
           <a:p>
             <a:fld id="{3CCDA83E-EA51-4128-A010-1A549244A730}" type="datetimeFigureOut">
               <a:rPr lang="en-US" smtClean="0"/>
-              <a:t>11/23/2017</a:t>
+              <a:t>11/24/2017</a:t>
             </a:fld>
             <a:endParaRPr lang="en-US"/>
           </a:p>
@@ -5824,7 +5824,7 @@
           <a:p>
             <a:fld id="{3CCDA83E-EA51-4128-A010-1A549244A730}" type="datetimeFigureOut">
               <a:rPr lang="en-US" smtClean="0"/>
-              <a:t>11/23/2017</a:t>
+              <a:t>11/24/2017</a:t>
             </a:fld>
             <a:endParaRPr lang="en-US"/>
           </a:p>
@@ -6108,7 +6108,7 @@
           <a:p>
             <a:fld id="{3CCDA83E-EA51-4128-A010-1A549244A730}" type="datetimeFigureOut">
               <a:rPr lang="en-US" smtClean="0"/>
-              <a:t>11/23/2017</a:t>
+              <a:t>11/24/2017</a:t>
             </a:fld>
             <a:endParaRPr lang="en-US"/>
           </a:p>
@@ -6630,7 +6630,7 @@
           <a:p>
             <a:fld id="{3CCDA83E-EA51-4128-A010-1A549244A730}" type="datetimeFigureOut">
               <a:rPr lang="en-US" smtClean="0"/>
-              <a:t>11/23/2017</a:t>
+              <a:t>11/24/2017</a:t>
             </a:fld>
             <a:endParaRPr lang="en-US"/>
           </a:p>
@@ -7171,7 +7171,7 @@
           <a:p>
             <a:fld id="{3CCDA83E-EA51-4128-A010-1A549244A730}" type="datetimeFigureOut">
               <a:rPr lang="en-US" smtClean="0"/>
-              <a:t>11/23/2017</a:t>
+              <a:t>11/24/2017</a:t>
             </a:fld>
             <a:endParaRPr lang="en-US"/>
           </a:p>
@@ -9165,11 +9165,7 @@
             </a:pPr>
             <a:r>
               <a:rPr lang="en-US" dirty="0" smtClean="0"/>
-              <a:t> Suit </a:t>
-            </a:r>
-            <a:r>
-              <a:rPr lang="en-US" dirty="0" smtClean="0"/>
-              <a:t>des </a:t>
+              <a:t> Suit des </a:t>
             </a:r>
             <a:r>
               <a:rPr lang="en-US" dirty="0" err="1" smtClean="0"/>

--- a/Qualite de code et PSCodeHealth.pptx
+++ b/Qualite de code et PSCodeHealth.pptx
@@ -17,6 +17,8 @@
     <p:sldId id="265" r:id="rId11"/>
     <p:sldId id="266" r:id="rId12"/>
     <p:sldId id="267" r:id="rId13"/>
+    <p:sldId id="268" r:id="rId14"/>
+    <p:sldId id="269" r:id="rId15"/>
   </p:sldIdLst>
   <p:sldSz cx="9144000" cy="6858000" type="screen4x3"/>
   <p:notesSz cx="6858000" cy="9144000"/>
@@ -3790,7 +3792,7 @@
           <a:p>
             <a:fld id="{3CCDA83E-EA51-4128-A010-1A549244A730}" type="datetimeFigureOut">
               <a:rPr lang="en-US" smtClean="0"/>
-              <a:t>11/24/2017</a:t>
+              <a:t>11/30/2017</a:t>
             </a:fld>
             <a:endParaRPr lang="en-US"/>
           </a:p>
@@ -4002,7 +4004,7 @@
           <a:p>
             <a:fld id="{3CCDA83E-EA51-4128-A010-1A549244A730}" type="datetimeFigureOut">
               <a:rPr lang="en-US" smtClean="0"/>
-              <a:t>11/24/2017</a:t>
+              <a:t>11/30/2017</a:t>
             </a:fld>
             <a:endParaRPr lang="en-US"/>
           </a:p>
@@ -4189,7 +4191,7 @@
           <a:p>
             <a:fld id="{3CCDA83E-EA51-4128-A010-1A549244A730}" type="datetimeFigureOut">
               <a:rPr lang="en-US" smtClean="0"/>
-              <a:t>11/24/2017</a:t>
+              <a:t>11/30/2017</a:t>
             </a:fld>
             <a:endParaRPr lang="en-US"/>
           </a:p>
@@ -4286,7 +4288,7 @@
           <a:p>
             <a:fld id="{3CCDA83E-EA51-4128-A010-1A549244A730}" type="datetimeFigureOut">
               <a:rPr lang="en-US" smtClean="0"/>
-              <a:t>11/24/2017</a:t>
+              <a:t>11/30/2017</a:t>
             </a:fld>
             <a:endParaRPr lang="en-US"/>
           </a:p>
@@ -4882,7 +4884,7 @@
           <a:p>
             <a:fld id="{3CCDA83E-EA51-4128-A010-1A549244A730}" type="datetimeFigureOut">
               <a:rPr lang="en-US" smtClean="0"/>
-              <a:t>11/24/2017</a:t>
+              <a:t>11/30/2017</a:t>
             </a:fld>
             <a:endParaRPr lang="en-US"/>
           </a:p>
@@ -4979,7 +4981,7 @@
           <a:p>
             <a:fld id="{3CCDA83E-EA51-4128-A010-1A549244A730}" type="datetimeFigureOut">
               <a:rPr lang="en-US" smtClean="0"/>
-              <a:t>11/24/2017</a:t>
+              <a:t>11/30/2017</a:t>
             </a:fld>
             <a:endParaRPr lang="en-US"/>
           </a:p>
@@ -5584,7 +5586,7 @@
           <a:p>
             <a:fld id="{3CCDA83E-EA51-4128-A010-1A549244A730}" type="datetimeFigureOut">
               <a:rPr lang="en-US" smtClean="0"/>
-              <a:t>11/24/2017</a:t>
+              <a:t>11/30/2017</a:t>
             </a:fld>
             <a:endParaRPr lang="en-US"/>
           </a:p>
@@ -5727,7 +5729,7 @@
           <a:p>
             <a:fld id="{3CCDA83E-EA51-4128-A010-1A549244A730}" type="datetimeFigureOut">
               <a:rPr lang="en-US" smtClean="0"/>
-              <a:t>11/24/2017</a:t>
+              <a:t>11/30/2017</a:t>
             </a:fld>
             <a:endParaRPr lang="en-US"/>
           </a:p>
@@ -5824,7 +5826,7 @@
           <a:p>
             <a:fld id="{3CCDA83E-EA51-4128-A010-1A549244A730}" type="datetimeFigureOut">
               <a:rPr lang="en-US" smtClean="0"/>
-              <a:t>11/24/2017</a:t>
+              <a:t>11/30/2017</a:t>
             </a:fld>
             <a:endParaRPr lang="en-US"/>
           </a:p>
@@ -6108,7 +6110,7 @@
           <a:p>
             <a:fld id="{3CCDA83E-EA51-4128-A010-1A549244A730}" type="datetimeFigureOut">
               <a:rPr lang="en-US" smtClean="0"/>
-              <a:t>11/24/2017</a:t>
+              <a:t>11/30/2017</a:t>
             </a:fld>
             <a:endParaRPr lang="en-US"/>
           </a:p>
@@ -6630,7 +6632,7 @@
           <a:p>
             <a:fld id="{3CCDA83E-EA51-4128-A010-1A549244A730}" type="datetimeFigureOut">
               <a:rPr lang="en-US" smtClean="0"/>
-              <a:t>11/24/2017</a:t>
+              <a:t>11/30/2017</a:t>
             </a:fld>
             <a:endParaRPr lang="en-US"/>
           </a:p>
@@ -7171,7 +7173,7 @@
           <a:p>
             <a:fld id="{3CCDA83E-EA51-4128-A010-1A549244A730}" type="datetimeFigureOut">
               <a:rPr lang="en-US" smtClean="0"/>
-              <a:t>11/24/2017</a:t>
+              <a:t>11/30/2017</a:t>
             </a:fld>
             <a:endParaRPr lang="en-US"/>
           </a:p>
@@ -8455,6 +8457,247 @@
 </p:sld>
 </file>
 
+<file path=ppt/slides/slide13.xml><?xml version="1.0" encoding="utf-8"?>
+<p:sld xmlns:a="http://schemas.openxmlformats.org/drawingml/2006/main" xmlns:r="http://schemas.openxmlformats.org/officeDocument/2006/relationships" xmlns:p="http://schemas.openxmlformats.org/presentationml/2006/main">
+  <p:cSld>
+    <p:spTree>
+      <p:nvGrpSpPr>
+        <p:cNvPr id="1" name=""/>
+        <p:cNvGrpSpPr/>
+        <p:nvPr/>
+      </p:nvGrpSpPr>
+      <p:grpSpPr>
+        <a:xfrm>
+          <a:off x="0" y="0"/>
+          <a:ext cx="0" cy="0"/>
+          <a:chOff x="0" y="0"/>
+          <a:chExt cx="0" cy="0"/>
+        </a:xfrm>
+      </p:grpSpPr>
+      <p:sp>
+        <p:nvSpPr>
+          <p:cNvPr id="2" name="Title 1"/>
+          <p:cNvSpPr>
+            <a:spLocks noGrp="1"/>
+          </p:cNvSpPr>
+          <p:nvPr>
+            <p:ph type="title"/>
+          </p:nvPr>
+        </p:nvSpPr>
+        <p:spPr>
+          <a:xfrm>
+            <a:off x="1905000" y="228600"/>
+            <a:ext cx="6512511" cy="1143000"/>
+          </a:xfrm>
+        </p:spPr>
+        <p:txBody>
+          <a:bodyPr/>
+          <a:lstStyle/>
+          <a:p>
+            <a:pPr marL="0" indent="0" algn="ctr">
+              <a:buNone/>
+            </a:pPr>
+            <a:r>
+              <a:rPr lang="en-US" dirty="0" smtClean="0"/>
+              <a:t>Les </a:t>
+            </a:r>
+            <a:r>
+              <a:rPr lang="en-US" dirty="0" err="1" smtClean="0"/>
+              <a:t>indicateurs</a:t>
+            </a:r>
+            <a:r>
+              <a:rPr lang="en-US" dirty="0" smtClean="0"/>
+              <a:t> de </a:t>
+            </a:r>
+            <a:r>
+              <a:rPr lang="en-US" dirty="0" err="1" smtClean="0"/>
+              <a:t>maintenabilité</a:t>
+            </a:r>
+            <a:r>
+              <a:rPr lang="en-US" dirty="0" smtClean="0"/>
+              <a:t> (suite)</a:t>
+            </a:r>
+            <a:endParaRPr lang="en-US" dirty="0"/>
+          </a:p>
+        </p:txBody>
+      </p:sp>
+      <p:sp>
+        <p:nvSpPr>
+          <p:cNvPr id="3" name="Content Placeholder 2"/>
+          <p:cNvSpPr>
+            <a:spLocks noGrp="1"/>
+          </p:cNvSpPr>
+          <p:nvPr>
+            <p:ph sz="quarter" idx="13"/>
+          </p:nvPr>
+        </p:nvSpPr>
+        <p:spPr>
+          <a:xfrm>
+            <a:off x="1295400" y="3352800"/>
+            <a:ext cx="6400800" cy="3200400"/>
+          </a:xfrm>
+        </p:spPr>
+        <p:txBody>
+          <a:bodyPr/>
+          <a:lstStyle/>
+          <a:p>
+            <a:pPr>
+              <a:buFont typeface="Courier New" panose="02070309020205020404" pitchFamily="49" charset="0"/>
+              <a:buChar char="o"/>
+            </a:pPr>
+            <a:r>
+              <a:rPr lang="en-US" dirty="0" smtClean="0"/>
+              <a:t> </a:t>
+            </a:r>
+            <a:r>
+              <a:rPr lang="en-US" dirty="0" err="1" smtClean="0"/>
+              <a:t>Documenté</a:t>
+            </a:r>
+            <a:r>
+              <a:rPr lang="en-US" dirty="0" smtClean="0"/>
+              <a:t> </a:t>
+            </a:r>
+            <a:r>
+              <a:rPr lang="en-US" dirty="0" smtClean="0"/>
+              <a:t>:</a:t>
+            </a:r>
+          </a:p>
+          <a:p>
+            <a:pPr marL="45720" indent="0">
+              <a:buNone/>
+            </a:pPr>
+            <a:endParaRPr lang="en-US" dirty="0" smtClean="0"/>
+          </a:p>
+          <a:p>
+            <a:pPr lvl="1">
+              <a:buFont typeface="Courier New" panose="02070309020205020404" pitchFamily="49" charset="0"/>
+              <a:buChar char="o"/>
+            </a:pPr>
+            <a:r>
+              <a:rPr lang="en-US" dirty="0"/>
+              <a:t> </a:t>
+            </a:r>
+            <a:r>
+              <a:rPr lang="en-US" dirty="0" smtClean="0"/>
+              <a:t>Functions qui </a:t>
+            </a:r>
+            <a:r>
+              <a:rPr lang="en-US" dirty="0" err="1" smtClean="0"/>
+              <a:t>n’ont</a:t>
+            </a:r>
+            <a:r>
+              <a:rPr lang="en-US" dirty="0" smtClean="0"/>
+              <a:t> pas </a:t>
+            </a:r>
+            <a:r>
+              <a:rPr lang="en-US" dirty="0" err="1" smtClean="0"/>
+              <a:t>d’aide</a:t>
+            </a:r>
+            <a:r>
+              <a:rPr lang="en-US" dirty="0" smtClean="0"/>
+              <a:t/>
+            </a:r>
+            <a:br>
+              <a:rPr lang="en-US" dirty="0" smtClean="0"/>
+            </a:br>
+            <a:r>
+              <a:rPr lang="en-US" dirty="0" smtClean="0"/>
+              <a:t>(comment-based help)</a:t>
+            </a:r>
+            <a:endParaRPr lang="en-US" dirty="0"/>
+          </a:p>
+        </p:txBody>
+      </p:sp>
+    </p:spTree>
+    <p:extLst>
+      <p:ext uri="{BB962C8B-B14F-4D97-AF65-F5344CB8AC3E}">
+        <p14:creationId xmlns:p14="http://schemas.microsoft.com/office/powerpoint/2010/main" val="1014924877"/>
+      </p:ext>
+    </p:extLst>
+  </p:cSld>
+  <p:clrMapOvr>
+    <a:masterClrMapping/>
+  </p:clrMapOvr>
+</p:sld>
+</file>
+
+<file path=ppt/slides/slide14.xml><?xml version="1.0" encoding="utf-8"?>
+<p:sld xmlns:a="http://schemas.openxmlformats.org/drawingml/2006/main" xmlns:r="http://schemas.openxmlformats.org/officeDocument/2006/relationships" xmlns:p="http://schemas.openxmlformats.org/presentationml/2006/main">
+  <p:cSld>
+    <p:spTree>
+      <p:nvGrpSpPr>
+        <p:cNvPr id="1" name=""/>
+        <p:cNvGrpSpPr/>
+        <p:nvPr/>
+      </p:nvGrpSpPr>
+      <p:grpSpPr>
+        <a:xfrm>
+          <a:off x="0" y="0"/>
+          <a:ext cx="0" cy="0"/>
+          <a:chOff x="0" y="0"/>
+          <a:chExt cx="0" cy="0"/>
+        </a:xfrm>
+      </p:grpSpPr>
+      <p:sp>
+        <p:nvSpPr>
+          <p:cNvPr id="2" name="Title 1"/>
+          <p:cNvSpPr>
+            <a:spLocks noGrp="1"/>
+          </p:cNvSpPr>
+          <p:nvPr>
+            <p:ph type="title"/>
+          </p:nvPr>
+        </p:nvSpPr>
+        <p:spPr>
+          <a:xfrm>
+            <a:off x="1905000" y="381000"/>
+            <a:ext cx="6512511" cy="1143000"/>
+          </a:xfrm>
+        </p:spPr>
+        <p:txBody>
+          <a:bodyPr/>
+          <a:lstStyle/>
+          <a:p>
+            <a:pPr marL="0" indent="0" algn="ctr">
+              <a:buNone/>
+            </a:pPr>
+            <a:r>
+              <a:rPr lang="en-US" dirty="0" smtClean="0"/>
+              <a:t>Demo : </a:t>
+            </a:r>
+            <a:r>
+              <a:rPr lang="en-US" dirty="0" err="1" smtClean="0"/>
+              <a:t>Métrique</a:t>
+            </a:r>
+            <a:r>
+              <a:rPr lang="en-US" dirty="0" smtClean="0"/>
+              <a:t> “</a:t>
+            </a:r>
+            <a:r>
+              <a:rPr lang="en-US" dirty="0" err="1" smtClean="0"/>
+              <a:t>ContainsHelp</a:t>
+            </a:r>
+            <a:r>
+              <a:rPr lang="en-US" dirty="0" smtClean="0"/>
+              <a:t>”</a:t>
+            </a:r>
+            <a:endParaRPr lang="en-US" dirty="0"/>
+          </a:p>
+        </p:txBody>
+      </p:sp>
+    </p:spTree>
+    <p:extLst>
+      <p:ext uri="{BB962C8B-B14F-4D97-AF65-F5344CB8AC3E}">
+        <p14:creationId xmlns:p14="http://schemas.microsoft.com/office/powerpoint/2010/main" val="793232382"/>
+      </p:ext>
+    </p:extLst>
+  </p:cSld>
+  <p:clrMapOvr>
+    <a:masterClrMapping/>
+  </p:clrMapOvr>
+</p:sld>
+</file>
+
 <file path=ppt/slides/slide2.xml><?xml version="1.0" encoding="utf-8"?>
 <p:sld xmlns:a="http://schemas.openxmlformats.org/drawingml/2006/main" xmlns:r="http://schemas.openxmlformats.org/officeDocument/2006/relationships" xmlns:p="http://schemas.openxmlformats.org/presentationml/2006/main" showMasterSp="0">
   <p:cSld>
@@ -8515,8 +8758,8 @@
         </p:nvSpPr>
         <p:spPr>
           <a:xfrm>
-            <a:off x="1447800" y="2209800"/>
-            <a:ext cx="6400800" cy="4343400"/>
+            <a:off x="1447800" y="3124200"/>
+            <a:ext cx="6400800" cy="3429000"/>
           </a:xfrm>
         </p:spPr>
         <p:txBody>
@@ -8795,156 +9038,6 @@
               <a:t>PSCodeHealth</a:t>
             </a:r>
             <a:endParaRPr lang="fr-FR" dirty="0" smtClean="0">
-              <a:effectLst>
-                <a:outerShdw blurRad="38100" dist="38100" dir="2700000" algn="tl">
-                  <a:srgbClr val="000000">
-                    <a:alpha val="43137"/>
-                  </a:srgbClr>
-                </a:outerShdw>
-              </a:effectLst>
-            </a:endParaRPr>
-          </a:p>
-          <a:p>
-            <a:pPr>
-              <a:lnSpc>
-                <a:spcPts val="3700"/>
-              </a:lnSpc>
-              <a:buFont typeface="Courier New" panose="02070309020205020404" pitchFamily="49" charset="0"/>
-              <a:buChar char="o"/>
-            </a:pPr>
-            <a:r>
-              <a:rPr lang="en-US" dirty="0" smtClean="0">
-                <a:effectLst>
-                  <a:outerShdw blurRad="38100" dist="38100" dir="2700000" algn="tl">
-                    <a:srgbClr val="000000">
-                      <a:alpha val="43137"/>
-                    </a:srgbClr>
-                  </a:outerShdw>
-                </a:effectLst>
-              </a:rPr>
-              <a:t> </a:t>
-            </a:r>
-            <a:r>
-              <a:rPr lang="en-US" dirty="0" err="1" smtClean="0">
-                <a:effectLst>
-                  <a:outerShdw blurRad="38100" dist="38100" dir="2700000" algn="tl">
-                    <a:srgbClr val="000000">
-                      <a:alpha val="43137"/>
-                    </a:srgbClr>
-                  </a:outerShdw>
-                </a:effectLst>
-              </a:rPr>
-              <a:t>Intégrer</a:t>
-            </a:r>
-            <a:r>
-              <a:rPr lang="en-US" dirty="0" smtClean="0">
-                <a:effectLst>
-                  <a:outerShdw blurRad="38100" dist="38100" dir="2700000" algn="tl">
-                    <a:srgbClr val="000000">
-                      <a:alpha val="43137"/>
-                    </a:srgbClr>
-                  </a:outerShdw>
-                </a:effectLst>
-              </a:rPr>
-              <a:t> </a:t>
-            </a:r>
-            <a:r>
-              <a:rPr lang="en-US" dirty="0" err="1" smtClean="0">
-                <a:effectLst>
-                  <a:outerShdw blurRad="38100" dist="38100" dir="2700000" algn="tl">
-                    <a:srgbClr val="000000">
-                      <a:alpha val="43137"/>
-                    </a:srgbClr>
-                  </a:outerShdw>
-                </a:effectLst>
-              </a:rPr>
-              <a:t>PSCodeHealth</a:t>
-            </a:r>
-            <a:r>
-              <a:rPr lang="en-US" dirty="0" smtClean="0">
-                <a:effectLst>
-                  <a:outerShdw blurRad="38100" dist="38100" dir="2700000" algn="tl">
-                    <a:srgbClr val="000000">
-                      <a:alpha val="43137"/>
-                    </a:srgbClr>
-                  </a:outerShdw>
-                </a:effectLst>
-              </a:rPr>
-              <a:t> </a:t>
-            </a:r>
-            <a:r>
-              <a:rPr lang="en-US" dirty="0" err="1" smtClean="0">
-                <a:effectLst>
-                  <a:outerShdw blurRad="38100" dist="38100" dir="2700000" algn="tl">
-                    <a:srgbClr val="000000">
-                      <a:alpha val="43137"/>
-                    </a:srgbClr>
-                  </a:outerShdw>
-                </a:effectLst>
-              </a:rPr>
-              <a:t>dans</a:t>
-            </a:r>
-            <a:r>
-              <a:rPr lang="en-US" dirty="0" smtClean="0">
-                <a:effectLst>
-                  <a:outerShdw blurRad="38100" dist="38100" dir="2700000" algn="tl">
-                    <a:srgbClr val="000000">
-                      <a:alpha val="43137"/>
-                    </a:srgbClr>
-                  </a:outerShdw>
-                </a:effectLst>
-              </a:rPr>
-              <a:t> le cycle de </a:t>
-            </a:r>
-            <a:r>
-              <a:rPr lang="en-US" dirty="0" err="1" smtClean="0">
-                <a:effectLst>
-                  <a:outerShdw blurRad="38100" dist="38100" dir="2700000" algn="tl">
-                    <a:srgbClr val="000000">
-                      <a:alpha val="43137"/>
-                    </a:srgbClr>
-                  </a:outerShdw>
-                </a:effectLst>
-              </a:rPr>
-              <a:t>dévelopment</a:t>
-            </a:r>
-            <a:r>
-              <a:rPr lang="en-US" dirty="0" smtClean="0">
-                <a:effectLst>
-                  <a:outerShdw blurRad="38100" dist="38100" dir="2700000" algn="tl">
-                    <a:srgbClr val="000000">
-                      <a:alpha val="43137"/>
-                    </a:srgbClr>
-                  </a:outerShdw>
-                </a:effectLst>
-              </a:rPr>
-              <a:t> d’un </a:t>
-            </a:r>
-            <a:r>
-              <a:rPr lang="en-US" dirty="0" err="1" smtClean="0">
-                <a:effectLst>
-                  <a:outerShdw blurRad="38100" dist="38100" dir="2700000" algn="tl">
-                    <a:srgbClr val="000000">
-                      <a:alpha val="43137"/>
-                    </a:srgbClr>
-                  </a:outerShdw>
-                </a:effectLst>
-              </a:rPr>
-              <a:t>projet</a:t>
-            </a:r>
-            <a:r>
-              <a:rPr lang="en-US" dirty="0" smtClean="0">
-                <a:effectLst>
-                  <a:outerShdw blurRad="38100" dist="38100" dir="2700000" algn="tl">
-                    <a:srgbClr val="000000">
-                      <a:alpha val="43137"/>
-                    </a:srgbClr>
-                  </a:outerShdw>
-                </a:effectLst>
-              </a:rPr>
-              <a:t> PowerShell</a:t>
-            </a:r>
-            <a:endParaRPr lang="en-US" dirty="0">
               <a:effectLst>
                 <a:outerShdw blurRad="38100" dist="38100" dir="2700000" algn="tl">
                   <a:srgbClr val="000000">
@@ -10913,12 +11006,12 @@
               <a:t> de </a:t>
             </a:r>
             <a:r>
-              <a:rPr lang="en-US" smtClean="0"/>
-              <a:t>lignes </a:t>
-            </a:r>
-            <a:r>
-              <a:rPr lang="en-US" dirty="0" smtClean="0"/>
-              <a:t>de code par </a:t>
+              <a:rPr lang="en-US" dirty="0" err="1" smtClean="0"/>
+              <a:t>lignes</a:t>
+            </a:r>
+            <a:r>
+              <a:rPr lang="en-US" dirty="0" smtClean="0"/>
+              <a:t> de code par </a:t>
             </a:r>
             <a:r>
               <a:rPr lang="en-US" dirty="0" err="1" smtClean="0"/>

--- a/Qualite de code et PSCodeHealth.pptx
+++ b/Qualite de code et PSCodeHealth.pptx
@@ -19,6 +19,9 @@
     <p:sldId id="267" r:id="rId13"/>
     <p:sldId id="268" r:id="rId14"/>
     <p:sldId id="269" r:id="rId15"/>
+    <p:sldId id="270" r:id="rId16"/>
+    <p:sldId id="271" r:id="rId17"/>
+    <p:sldId id="272" r:id="rId18"/>
   </p:sldIdLst>
   <p:sldSz cx="9144000" cy="6858000" type="screen4x3"/>
   <p:notesSz cx="6858000" cy="9144000"/>
@@ -3792,7 +3795,7 @@
           <a:p>
             <a:fld id="{3CCDA83E-EA51-4128-A010-1A549244A730}" type="datetimeFigureOut">
               <a:rPr lang="en-US" smtClean="0"/>
-              <a:t>11/30/2017</a:t>
+              <a:t>12/1/2017</a:t>
             </a:fld>
             <a:endParaRPr lang="en-US"/>
           </a:p>
@@ -4004,7 +4007,7 @@
           <a:p>
             <a:fld id="{3CCDA83E-EA51-4128-A010-1A549244A730}" type="datetimeFigureOut">
               <a:rPr lang="en-US" smtClean="0"/>
-              <a:t>11/30/2017</a:t>
+              <a:t>12/1/2017</a:t>
             </a:fld>
             <a:endParaRPr lang="en-US"/>
           </a:p>
@@ -4191,7 +4194,7 @@
           <a:p>
             <a:fld id="{3CCDA83E-EA51-4128-A010-1A549244A730}" type="datetimeFigureOut">
               <a:rPr lang="en-US" smtClean="0"/>
-              <a:t>11/30/2017</a:t>
+              <a:t>12/1/2017</a:t>
             </a:fld>
             <a:endParaRPr lang="en-US"/>
           </a:p>
@@ -4288,7 +4291,7 @@
           <a:p>
             <a:fld id="{3CCDA83E-EA51-4128-A010-1A549244A730}" type="datetimeFigureOut">
               <a:rPr lang="en-US" smtClean="0"/>
-              <a:t>11/30/2017</a:t>
+              <a:t>12/1/2017</a:t>
             </a:fld>
             <a:endParaRPr lang="en-US"/>
           </a:p>
@@ -4884,7 +4887,7 @@
           <a:p>
             <a:fld id="{3CCDA83E-EA51-4128-A010-1A549244A730}" type="datetimeFigureOut">
               <a:rPr lang="en-US" smtClean="0"/>
-              <a:t>11/30/2017</a:t>
+              <a:t>12/1/2017</a:t>
             </a:fld>
             <a:endParaRPr lang="en-US"/>
           </a:p>
@@ -4981,7 +4984,7 @@
           <a:p>
             <a:fld id="{3CCDA83E-EA51-4128-A010-1A549244A730}" type="datetimeFigureOut">
               <a:rPr lang="en-US" smtClean="0"/>
-              <a:t>11/30/2017</a:t>
+              <a:t>12/1/2017</a:t>
             </a:fld>
             <a:endParaRPr lang="en-US"/>
           </a:p>
@@ -5586,7 +5589,7 @@
           <a:p>
             <a:fld id="{3CCDA83E-EA51-4128-A010-1A549244A730}" type="datetimeFigureOut">
               <a:rPr lang="en-US" smtClean="0"/>
-              <a:t>11/30/2017</a:t>
+              <a:t>12/1/2017</a:t>
             </a:fld>
             <a:endParaRPr lang="en-US"/>
           </a:p>
@@ -5729,7 +5732,7 @@
           <a:p>
             <a:fld id="{3CCDA83E-EA51-4128-A010-1A549244A730}" type="datetimeFigureOut">
               <a:rPr lang="en-US" smtClean="0"/>
-              <a:t>11/30/2017</a:t>
+              <a:t>12/1/2017</a:t>
             </a:fld>
             <a:endParaRPr lang="en-US"/>
           </a:p>
@@ -5826,7 +5829,7 @@
           <a:p>
             <a:fld id="{3CCDA83E-EA51-4128-A010-1A549244A730}" type="datetimeFigureOut">
               <a:rPr lang="en-US" smtClean="0"/>
-              <a:t>11/30/2017</a:t>
+              <a:t>12/1/2017</a:t>
             </a:fld>
             <a:endParaRPr lang="en-US"/>
           </a:p>
@@ -6110,7 +6113,7 @@
           <a:p>
             <a:fld id="{3CCDA83E-EA51-4128-A010-1A549244A730}" type="datetimeFigureOut">
               <a:rPr lang="en-US" smtClean="0"/>
-              <a:t>11/30/2017</a:t>
+              <a:t>12/1/2017</a:t>
             </a:fld>
             <a:endParaRPr lang="en-US"/>
           </a:p>
@@ -6632,7 +6635,7 @@
           <a:p>
             <a:fld id="{3CCDA83E-EA51-4128-A010-1A549244A730}" type="datetimeFigureOut">
               <a:rPr lang="en-US" smtClean="0"/>
-              <a:t>11/30/2017</a:t>
+              <a:t>12/1/2017</a:t>
             </a:fld>
             <a:endParaRPr lang="en-US"/>
           </a:p>
@@ -7173,7 +7176,7 @@
           <a:p>
             <a:fld id="{3CCDA83E-EA51-4128-A010-1A549244A730}" type="datetimeFigureOut">
               <a:rPr lang="en-US" smtClean="0"/>
-              <a:t>11/30/2017</a:t>
+              <a:t>12/1/2017</a:t>
             </a:fld>
             <a:endParaRPr lang="en-US"/>
           </a:p>
@@ -8555,11 +8558,7 @@
             </a:r>
             <a:r>
               <a:rPr lang="en-US" dirty="0" smtClean="0"/>
-              <a:t> </a:t>
-            </a:r>
-            <a:r>
-              <a:rPr lang="en-US" dirty="0" smtClean="0"/>
-              <a:t>:</a:t>
+              <a:t> :</a:t>
             </a:r>
           </a:p>
           <a:p>
@@ -8689,6 +8688,608 @@
     <p:extLst>
       <p:ext uri="{BB962C8B-B14F-4D97-AF65-F5344CB8AC3E}">
         <p14:creationId xmlns:p14="http://schemas.microsoft.com/office/powerpoint/2010/main" val="793232382"/>
+      </p:ext>
+    </p:extLst>
+  </p:cSld>
+  <p:clrMapOvr>
+    <a:masterClrMapping/>
+  </p:clrMapOvr>
+</p:sld>
+</file>
+
+<file path=ppt/slides/slide15.xml><?xml version="1.0" encoding="utf-8"?>
+<p:sld xmlns:a="http://schemas.openxmlformats.org/drawingml/2006/main" xmlns:r="http://schemas.openxmlformats.org/officeDocument/2006/relationships" xmlns:p="http://schemas.openxmlformats.org/presentationml/2006/main">
+  <p:cSld>
+    <p:spTree>
+      <p:nvGrpSpPr>
+        <p:cNvPr id="1" name=""/>
+        <p:cNvGrpSpPr/>
+        <p:nvPr/>
+      </p:nvGrpSpPr>
+      <p:grpSpPr>
+        <a:xfrm>
+          <a:off x="0" y="0"/>
+          <a:ext cx="0" cy="0"/>
+          <a:chOff x="0" y="0"/>
+          <a:chExt cx="0" cy="0"/>
+        </a:xfrm>
+      </p:grpSpPr>
+      <p:sp>
+        <p:nvSpPr>
+          <p:cNvPr id="2" name="Title 1"/>
+          <p:cNvSpPr>
+            <a:spLocks noGrp="1"/>
+          </p:cNvSpPr>
+          <p:nvPr>
+            <p:ph type="title"/>
+          </p:nvPr>
+        </p:nvSpPr>
+        <p:spPr>
+          <a:xfrm>
+            <a:off x="1905000" y="228600"/>
+            <a:ext cx="6512511" cy="1143000"/>
+          </a:xfrm>
+        </p:spPr>
+        <p:txBody>
+          <a:bodyPr/>
+          <a:lstStyle/>
+          <a:p>
+            <a:pPr marL="0" indent="0" algn="ctr">
+              <a:buNone/>
+            </a:pPr>
+            <a:r>
+              <a:rPr lang="en-US" dirty="0" smtClean="0"/>
+              <a:t>Les </a:t>
+            </a:r>
+            <a:r>
+              <a:rPr lang="en-US" dirty="0" err="1" smtClean="0"/>
+              <a:t>indicateurs</a:t>
+            </a:r>
+            <a:r>
+              <a:rPr lang="en-US" dirty="0" smtClean="0"/>
+              <a:t> de </a:t>
+            </a:r>
+            <a:r>
+              <a:rPr lang="en-US" dirty="0" err="1" smtClean="0"/>
+              <a:t>fiabilité</a:t>
+            </a:r>
+            <a:endParaRPr lang="en-US" dirty="0"/>
+          </a:p>
+        </p:txBody>
+      </p:sp>
+      <p:sp>
+        <p:nvSpPr>
+          <p:cNvPr id="3" name="Content Placeholder 2"/>
+          <p:cNvSpPr>
+            <a:spLocks noGrp="1"/>
+          </p:cNvSpPr>
+          <p:nvPr>
+            <p:ph sz="quarter" idx="13"/>
+          </p:nvPr>
+        </p:nvSpPr>
+        <p:spPr>
+          <a:xfrm>
+            <a:off x="1371600" y="3124200"/>
+            <a:ext cx="6400800" cy="3276600"/>
+          </a:xfrm>
+        </p:spPr>
+        <p:txBody>
+          <a:bodyPr>
+            <a:normAutofit/>
+          </a:bodyPr>
+          <a:lstStyle/>
+          <a:p>
+            <a:pPr>
+              <a:buFont typeface="Courier New" panose="02070309020205020404" pitchFamily="49" charset="0"/>
+              <a:buChar char="o"/>
+            </a:pPr>
+            <a:r>
+              <a:rPr lang="en-US" dirty="0" smtClean="0"/>
+              <a:t> </a:t>
+            </a:r>
+            <a:r>
+              <a:rPr lang="en-US" dirty="0" err="1" smtClean="0"/>
+              <a:t>Nombre</a:t>
+            </a:r>
+            <a:r>
+              <a:rPr lang="en-US" dirty="0" smtClean="0"/>
+              <a:t> de tests </a:t>
+            </a:r>
+            <a:r>
+              <a:rPr lang="en-US" dirty="0" err="1" smtClean="0"/>
+              <a:t>réussis</a:t>
+            </a:r>
+            <a:endParaRPr lang="en-US" dirty="0" smtClean="0"/>
+          </a:p>
+          <a:p>
+            <a:pPr>
+              <a:buFont typeface="Courier New" panose="02070309020205020404" pitchFamily="49" charset="0"/>
+              <a:buChar char="o"/>
+            </a:pPr>
+            <a:r>
+              <a:rPr lang="en-US" dirty="0" smtClean="0"/>
+              <a:t> </a:t>
+            </a:r>
+            <a:r>
+              <a:rPr lang="en-US" dirty="0" err="1" smtClean="0"/>
+              <a:t>Nombre</a:t>
+            </a:r>
+            <a:r>
+              <a:rPr lang="en-US" dirty="0" smtClean="0"/>
+              <a:t> de tests </a:t>
+            </a:r>
+            <a:r>
+              <a:rPr lang="en-US" dirty="0" err="1" smtClean="0"/>
+              <a:t>échoués</a:t>
+            </a:r>
+            <a:endParaRPr lang="en-US" dirty="0" smtClean="0"/>
+          </a:p>
+          <a:p>
+            <a:pPr>
+              <a:buFont typeface="Courier New" panose="02070309020205020404" pitchFamily="49" charset="0"/>
+              <a:buChar char="o"/>
+            </a:pPr>
+            <a:r>
+              <a:rPr lang="en-US" dirty="0" smtClean="0"/>
+              <a:t> Percentage de tests </a:t>
+            </a:r>
+            <a:r>
+              <a:rPr lang="en-US" dirty="0" err="1" smtClean="0"/>
+              <a:t>réussis</a:t>
+            </a:r>
+            <a:endParaRPr lang="en-US" dirty="0" smtClean="0"/>
+          </a:p>
+          <a:p>
+            <a:pPr>
+              <a:buFont typeface="Courier New" panose="02070309020205020404" pitchFamily="49" charset="0"/>
+              <a:buChar char="o"/>
+            </a:pPr>
+            <a:r>
+              <a:rPr lang="en-US" dirty="0"/>
+              <a:t> </a:t>
+            </a:r>
+            <a:r>
+              <a:rPr lang="en-US" dirty="0" err="1" smtClean="0"/>
+              <a:t>Taux</a:t>
+            </a:r>
+            <a:r>
+              <a:rPr lang="en-US" dirty="0" smtClean="0"/>
+              <a:t> de couverture de code :</a:t>
+            </a:r>
+            <a:br>
+              <a:rPr lang="en-US" dirty="0" smtClean="0"/>
+            </a:br>
+            <a:r>
+              <a:rPr lang="en-US" dirty="0" smtClean="0"/>
+              <a:t>(% du code </a:t>
+            </a:r>
+            <a:r>
+              <a:rPr lang="en-US" dirty="0" err="1" smtClean="0"/>
+              <a:t>exécuté</a:t>
+            </a:r>
+            <a:r>
+              <a:rPr lang="en-US" dirty="0" smtClean="0"/>
+              <a:t> </a:t>
+            </a:r>
+            <a:r>
+              <a:rPr lang="en-US" dirty="0" err="1" smtClean="0"/>
+              <a:t>lors</a:t>
+            </a:r>
+            <a:r>
+              <a:rPr lang="en-US" dirty="0" smtClean="0"/>
+              <a:t> des tests)</a:t>
+            </a:r>
+          </a:p>
+          <a:p>
+            <a:pPr>
+              <a:buFont typeface="Courier New" panose="02070309020205020404" pitchFamily="49" charset="0"/>
+              <a:buChar char="o"/>
+            </a:pPr>
+            <a:r>
+              <a:rPr lang="en-US" dirty="0"/>
+              <a:t> </a:t>
+            </a:r>
+            <a:r>
+              <a:rPr lang="en-US" dirty="0" err="1" smtClean="0"/>
+              <a:t>Nombre</a:t>
+            </a:r>
+            <a:r>
+              <a:rPr lang="en-US" dirty="0" smtClean="0"/>
+              <a:t> de </a:t>
+            </a:r>
+            <a:r>
+              <a:rPr lang="en-US" dirty="0" err="1" smtClean="0"/>
+              <a:t>commandes</a:t>
+            </a:r>
+            <a:r>
+              <a:rPr lang="en-US" dirty="0" smtClean="0"/>
+              <a:t> non-</a:t>
+            </a:r>
+            <a:r>
+              <a:rPr lang="en-US" dirty="0" err="1" smtClean="0"/>
+              <a:t>couvertes</a:t>
+            </a:r>
+            <a:endParaRPr lang="en-US" dirty="0" smtClean="0"/>
+          </a:p>
+          <a:p>
+            <a:pPr>
+              <a:buFont typeface="Courier New" panose="02070309020205020404" pitchFamily="49" charset="0"/>
+              <a:buChar char="o"/>
+            </a:pPr>
+            <a:endParaRPr lang="en-US" dirty="0" smtClean="0"/>
+          </a:p>
+          <a:p>
+            <a:pPr marL="45720" indent="0">
+              <a:buNone/>
+            </a:pPr>
+            <a:endParaRPr lang="en-US" dirty="0" smtClean="0"/>
+          </a:p>
+        </p:txBody>
+      </p:sp>
+    </p:spTree>
+    <p:extLst>
+      <p:ext uri="{BB962C8B-B14F-4D97-AF65-F5344CB8AC3E}">
+        <p14:creationId xmlns:p14="http://schemas.microsoft.com/office/powerpoint/2010/main" val="854629182"/>
+      </p:ext>
+    </p:extLst>
+  </p:cSld>
+  <p:clrMapOvr>
+    <a:masterClrMapping/>
+  </p:clrMapOvr>
+</p:sld>
+</file>
+
+<file path=ppt/slides/slide16.xml><?xml version="1.0" encoding="utf-8"?>
+<p:sld xmlns:a="http://schemas.openxmlformats.org/drawingml/2006/main" xmlns:r="http://schemas.openxmlformats.org/officeDocument/2006/relationships" xmlns:p="http://schemas.openxmlformats.org/presentationml/2006/main">
+  <p:cSld>
+    <p:spTree>
+      <p:nvGrpSpPr>
+        <p:cNvPr id="1" name=""/>
+        <p:cNvGrpSpPr/>
+        <p:nvPr/>
+      </p:nvGrpSpPr>
+      <p:grpSpPr>
+        <a:xfrm>
+          <a:off x="0" y="0"/>
+          <a:ext cx="0" cy="0"/>
+          <a:chOff x="0" y="0"/>
+          <a:chExt cx="0" cy="0"/>
+        </a:xfrm>
+      </p:grpSpPr>
+      <p:sp>
+        <p:nvSpPr>
+          <p:cNvPr id="2" name="Title 1"/>
+          <p:cNvSpPr>
+            <a:spLocks noGrp="1"/>
+          </p:cNvSpPr>
+          <p:nvPr>
+            <p:ph type="title"/>
+          </p:nvPr>
+        </p:nvSpPr>
+        <p:spPr>
+          <a:xfrm>
+            <a:off x="1066800" y="457200"/>
+            <a:ext cx="6512511" cy="1143000"/>
+          </a:xfrm>
+        </p:spPr>
+        <p:txBody>
+          <a:bodyPr/>
+          <a:lstStyle/>
+          <a:p>
+            <a:pPr marL="0" indent="0" algn="ctr">
+              <a:buNone/>
+            </a:pPr>
+            <a:r>
+              <a:rPr lang="fr-FR" dirty="0" err="1">
+                <a:effectLst>
+                  <a:outerShdw blurRad="38100" dist="38100" dir="2700000" algn="tl">
+                    <a:srgbClr val="000000">
+                      <a:alpha val="43137"/>
+                    </a:srgbClr>
+                  </a:outerShdw>
+                </a:effectLst>
+              </a:rPr>
+              <a:t>Interprêter</a:t>
+            </a:r>
+            <a:r>
+              <a:rPr lang="fr-FR" dirty="0">
+                <a:effectLst>
+                  <a:outerShdw blurRad="38100" dist="38100" dir="2700000" algn="tl">
+                    <a:srgbClr val="000000">
+                      <a:alpha val="43137"/>
+                    </a:srgbClr>
+                  </a:outerShdw>
+                </a:effectLst>
+              </a:rPr>
+              <a:t> un rapport </a:t>
+            </a:r>
+            <a:r>
+              <a:rPr lang="fr-FR" dirty="0" err="1">
+                <a:effectLst>
+                  <a:outerShdw blurRad="38100" dist="38100" dir="2700000" algn="tl">
+                    <a:srgbClr val="000000">
+                      <a:alpha val="43137"/>
+                    </a:srgbClr>
+                  </a:outerShdw>
+                </a:effectLst>
+              </a:rPr>
+              <a:t>PSCodeHealth</a:t>
+            </a:r>
+            <a:endParaRPr lang="en-US" dirty="0"/>
+          </a:p>
+        </p:txBody>
+      </p:sp>
+      <p:sp>
+        <p:nvSpPr>
+          <p:cNvPr id="3" name="Content Placeholder 2"/>
+          <p:cNvSpPr>
+            <a:spLocks noGrp="1"/>
+          </p:cNvSpPr>
+          <p:nvPr>
+            <p:ph sz="quarter" idx="13"/>
+          </p:nvPr>
+        </p:nvSpPr>
+        <p:spPr>
+          <a:xfrm>
+            <a:off x="1143000" y="2209800"/>
+            <a:ext cx="6400800" cy="4236720"/>
+          </a:xfrm>
+        </p:spPr>
+        <p:txBody>
+          <a:bodyPr/>
+          <a:lstStyle/>
+          <a:p>
+            <a:pPr>
+              <a:buFont typeface="Courier New" panose="02070309020205020404" pitchFamily="49" charset="0"/>
+              <a:buChar char="o"/>
+            </a:pPr>
+            <a:r>
+              <a:rPr lang="en-US" dirty="0"/>
+              <a:t> </a:t>
+            </a:r>
+            <a:r>
+              <a:rPr lang="en-US" dirty="0" err="1" smtClean="0"/>
+              <a:t>Générer</a:t>
+            </a:r>
+            <a:r>
+              <a:rPr lang="en-US" dirty="0" smtClean="0"/>
+              <a:t> un rapport :</a:t>
+            </a:r>
+          </a:p>
+          <a:p>
+            <a:pPr lvl="1">
+              <a:buFont typeface="Wingdings" panose="05000000000000000000" pitchFamily="2" charset="2"/>
+              <a:buChar char="Ø"/>
+            </a:pPr>
+            <a:r>
+              <a:rPr lang="en-US" dirty="0" smtClean="0"/>
+              <a:t>Invoke-</a:t>
+            </a:r>
+            <a:r>
+              <a:rPr lang="en-US" dirty="0" err="1" smtClean="0"/>
+              <a:t>PSCodeHealth</a:t>
+            </a:r>
+            <a:endParaRPr lang="en-US" dirty="0"/>
+          </a:p>
+          <a:p>
+            <a:pPr>
+              <a:buFont typeface="Courier New" panose="02070309020205020404" pitchFamily="49" charset="0"/>
+              <a:buChar char="o"/>
+            </a:pPr>
+            <a:r>
+              <a:rPr lang="en-US" dirty="0" smtClean="0"/>
+              <a:t> </a:t>
+            </a:r>
+            <a:r>
+              <a:rPr lang="en-US" dirty="0" err="1" smtClean="0"/>
+              <a:t>Générer</a:t>
+            </a:r>
+            <a:r>
+              <a:rPr lang="en-US" dirty="0" smtClean="0"/>
+              <a:t> un rapport HTML :</a:t>
+            </a:r>
+          </a:p>
+          <a:p>
+            <a:pPr lvl="1">
+              <a:buFont typeface="Wingdings" panose="05000000000000000000" pitchFamily="2" charset="2"/>
+              <a:buChar char="Ø"/>
+            </a:pPr>
+            <a:r>
+              <a:rPr lang="en-US" dirty="0" smtClean="0"/>
+              <a:t> Invoke-</a:t>
+            </a:r>
+            <a:r>
+              <a:rPr lang="en-US" dirty="0" err="1" smtClean="0"/>
+              <a:t>PSCodeHealth</a:t>
+            </a:r>
+            <a:r>
+              <a:rPr lang="en-US" dirty="0" smtClean="0"/>
+              <a:t> –</a:t>
+            </a:r>
+            <a:r>
+              <a:rPr lang="en-US" dirty="0" err="1" smtClean="0"/>
+              <a:t>HtmlReportPath</a:t>
+            </a:r>
+            <a:endParaRPr lang="en-US" dirty="0" smtClean="0"/>
+          </a:p>
+          <a:p>
+            <a:pPr lvl="1">
+              <a:buFont typeface="Wingdings" panose="05000000000000000000" pitchFamily="2" charset="2"/>
+              <a:buChar char="Ø"/>
+            </a:pPr>
+            <a:endParaRPr lang="en-US" dirty="0"/>
+          </a:p>
+          <a:p>
+            <a:pPr>
+              <a:buFont typeface="Courier New" panose="02070309020205020404" pitchFamily="49" charset="0"/>
+              <a:buChar char="o"/>
+            </a:pPr>
+            <a:r>
+              <a:rPr lang="en-US" dirty="0" smtClean="0"/>
+              <a:t> </a:t>
+            </a:r>
+            <a:r>
+              <a:rPr lang="en-US" dirty="0" err="1" smtClean="0"/>
+              <a:t>Nécessite</a:t>
+            </a:r>
+            <a:r>
+              <a:rPr lang="en-US" dirty="0" smtClean="0"/>
+              <a:t> </a:t>
+            </a:r>
+            <a:r>
+              <a:rPr lang="en-US" dirty="0" err="1" smtClean="0"/>
+              <a:t>accès</a:t>
+            </a:r>
+            <a:r>
+              <a:rPr lang="en-US" dirty="0" smtClean="0"/>
+              <a:t> à internet</a:t>
+            </a:r>
+          </a:p>
+          <a:p>
+            <a:pPr>
+              <a:buFont typeface="Courier New" panose="02070309020205020404" pitchFamily="49" charset="0"/>
+              <a:buChar char="o"/>
+            </a:pPr>
+            <a:r>
+              <a:rPr lang="en-US" dirty="0"/>
+              <a:t> </a:t>
+            </a:r>
+            <a:r>
+              <a:rPr lang="en-US" dirty="0" smtClean="0"/>
+              <a:t>Repose sur un code </a:t>
+            </a:r>
+            <a:r>
+              <a:rPr lang="en-US" dirty="0" err="1" smtClean="0"/>
+              <a:t>couleur</a:t>
+            </a:r>
+            <a:r>
+              <a:rPr lang="en-US" dirty="0" smtClean="0"/>
+              <a:t> :</a:t>
+            </a:r>
+          </a:p>
+          <a:p>
+            <a:pPr lvl="1">
+              <a:buFont typeface="Wingdings" panose="05000000000000000000" pitchFamily="2" charset="2"/>
+              <a:buChar char="Ø"/>
+            </a:pPr>
+            <a:r>
+              <a:rPr lang="en-US" dirty="0" smtClean="0"/>
+              <a:t> Vert = Bien</a:t>
+            </a:r>
+          </a:p>
+          <a:p>
+            <a:pPr lvl="1">
+              <a:buFont typeface="Wingdings" panose="05000000000000000000" pitchFamily="2" charset="2"/>
+              <a:buChar char="Ø"/>
+            </a:pPr>
+            <a:r>
+              <a:rPr lang="en-US" dirty="0" smtClean="0"/>
+              <a:t> </a:t>
+            </a:r>
+            <a:r>
+              <a:rPr lang="en-US" dirty="0" err="1" smtClean="0"/>
+              <a:t>Jaune</a:t>
+            </a:r>
+            <a:r>
+              <a:rPr lang="en-US" dirty="0" smtClean="0"/>
+              <a:t> = </a:t>
+            </a:r>
+            <a:r>
+              <a:rPr lang="en-US" dirty="0" err="1" smtClean="0"/>
+              <a:t>Avertissement</a:t>
+            </a:r>
+            <a:endParaRPr lang="en-US" dirty="0" smtClean="0"/>
+          </a:p>
+          <a:p>
+            <a:pPr lvl="1">
+              <a:buFont typeface="Wingdings" panose="05000000000000000000" pitchFamily="2" charset="2"/>
+              <a:buChar char="Ø"/>
+            </a:pPr>
+            <a:r>
+              <a:rPr lang="en-US" dirty="0" smtClean="0"/>
+              <a:t> Rouge = Danger</a:t>
+            </a:r>
+            <a:endParaRPr lang="en-US" dirty="0"/>
+          </a:p>
+        </p:txBody>
+      </p:sp>
+    </p:spTree>
+    <p:extLst>
+      <p:ext uri="{BB962C8B-B14F-4D97-AF65-F5344CB8AC3E}">
+        <p14:creationId xmlns:p14="http://schemas.microsoft.com/office/powerpoint/2010/main" val="3869877199"/>
+      </p:ext>
+    </p:extLst>
+  </p:cSld>
+  <p:clrMapOvr>
+    <a:masterClrMapping/>
+  </p:clrMapOvr>
+</p:sld>
+</file>
+
+<file path=ppt/slides/slide17.xml><?xml version="1.0" encoding="utf-8"?>
+<p:sld xmlns:a="http://schemas.openxmlformats.org/drawingml/2006/main" xmlns:r="http://schemas.openxmlformats.org/officeDocument/2006/relationships" xmlns:p="http://schemas.openxmlformats.org/presentationml/2006/main">
+  <p:cSld>
+    <p:spTree>
+      <p:nvGrpSpPr>
+        <p:cNvPr id="1" name=""/>
+        <p:cNvGrpSpPr/>
+        <p:nvPr/>
+      </p:nvGrpSpPr>
+      <p:grpSpPr>
+        <a:xfrm>
+          <a:off x="0" y="0"/>
+          <a:ext cx="0" cy="0"/>
+          <a:chOff x="0" y="0"/>
+          <a:chExt cx="0" cy="0"/>
+        </a:xfrm>
+      </p:grpSpPr>
+      <p:sp>
+        <p:nvSpPr>
+          <p:cNvPr id="2" name="Title 1"/>
+          <p:cNvSpPr>
+            <a:spLocks noGrp="1"/>
+          </p:cNvSpPr>
+          <p:nvPr>
+            <p:ph type="title"/>
+          </p:nvPr>
+        </p:nvSpPr>
+        <p:spPr>
+          <a:xfrm>
+            <a:off x="1905000" y="381000"/>
+            <a:ext cx="6512511" cy="1143000"/>
+          </a:xfrm>
+        </p:spPr>
+        <p:txBody>
+          <a:bodyPr/>
+          <a:lstStyle/>
+          <a:p>
+            <a:pPr marL="0" indent="0" algn="ctr">
+              <a:buNone/>
+            </a:pPr>
+            <a:r>
+              <a:rPr lang="en-US" dirty="0" smtClean="0"/>
+              <a:t>Demo : </a:t>
+            </a:r>
+            <a:r>
+              <a:rPr lang="en-US" dirty="0" err="1" smtClean="0"/>
+              <a:t>Interprêter</a:t>
+            </a:r>
+            <a:r>
+              <a:rPr lang="en-US" dirty="0" smtClean="0"/>
+              <a:t> un rapport </a:t>
+            </a:r>
+            <a:r>
+              <a:rPr lang="en-US" dirty="0" err="1" smtClean="0"/>
+              <a:t>PSCodeHealth</a:t>
+            </a:r>
+            <a:endParaRPr lang="en-US" dirty="0"/>
+          </a:p>
+        </p:txBody>
+      </p:sp>
+    </p:spTree>
+    <p:extLst>
+      <p:ext uri="{BB962C8B-B14F-4D97-AF65-F5344CB8AC3E}">
+        <p14:creationId xmlns:p14="http://schemas.microsoft.com/office/powerpoint/2010/main" val="2305966738"/>
       </p:ext>
     </p:extLst>
   </p:cSld>

--- a/Qualite de code et PSCodeHealth.pptx
+++ b/Qualite de code et PSCodeHealth.pptx
@@ -22,6 +22,9 @@
     <p:sldId id="270" r:id="rId16"/>
     <p:sldId id="271" r:id="rId17"/>
     <p:sldId id="272" r:id="rId18"/>
+    <p:sldId id="273" r:id="rId19"/>
+    <p:sldId id="274" r:id="rId20"/>
+    <p:sldId id="275" r:id="rId21"/>
   </p:sldIdLst>
   <p:sldSz cx="9144000" cy="6858000" type="screen4x3"/>
   <p:notesSz cx="6858000" cy="9144000"/>
@@ -3795,7 +3798,7 @@
           <a:p>
             <a:fld id="{3CCDA83E-EA51-4128-A010-1A549244A730}" type="datetimeFigureOut">
               <a:rPr lang="en-US" smtClean="0"/>
-              <a:t>12/1/2017</a:t>
+              <a:t>12/3/2017</a:t>
             </a:fld>
             <a:endParaRPr lang="en-US"/>
           </a:p>
@@ -4007,7 +4010,7 @@
           <a:p>
             <a:fld id="{3CCDA83E-EA51-4128-A010-1A549244A730}" type="datetimeFigureOut">
               <a:rPr lang="en-US" smtClean="0"/>
-              <a:t>12/1/2017</a:t>
+              <a:t>12/3/2017</a:t>
             </a:fld>
             <a:endParaRPr lang="en-US"/>
           </a:p>
@@ -4194,7 +4197,7 @@
           <a:p>
             <a:fld id="{3CCDA83E-EA51-4128-A010-1A549244A730}" type="datetimeFigureOut">
               <a:rPr lang="en-US" smtClean="0"/>
-              <a:t>12/1/2017</a:t>
+              <a:t>12/3/2017</a:t>
             </a:fld>
             <a:endParaRPr lang="en-US"/>
           </a:p>
@@ -4291,7 +4294,7 @@
           <a:p>
             <a:fld id="{3CCDA83E-EA51-4128-A010-1A549244A730}" type="datetimeFigureOut">
               <a:rPr lang="en-US" smtClean="0"/>
-              <a:t>12/1/2017</a:t>
+              <a:t>12/3/2017</a:t>
             </a:fld>
             <a:endParaRPr lang="en-US"/>
           </a:p>
@@ -4887,7 +4890,7 @@
           <a:p>
             <a:fld id="{3CCDA83E-EA51-4128-A010-1A549244A730}" type="datetimeFigureOut">
               <a:rPr lang="en-US" smtClean="0"/>
-              <a:t>12/1/2017</a:t>
+              <a:t>12/3/2017</a:t>
             </a:fld>
             <a:endParaRPr lang="en-US"/>
           </a:p>
@@ -4984,7 +4987,7 @@
           <a:p>
             <a:fld id="{3CCDA83E-EA51-4128-A010-1A549244A730}" type="datetimeFigureOut">
               <a:rPr lang="en-US" smtClean="0"/>
-              <a:t>12/1/2017</a:t>
+              <a:t>12/3/2017</a:t>
             </a:fld>
             <a:endParaRPr lang="en-US"/>
           </a:p>
@@ -5589,7 +5592,7 @@
           <a:p>
             <a:fld id="{3CCDA83E-EA51-4128-A010-1A549244A730}" type="datetimeFigureOut">
               <a:rPr lang="en-US" smtClean="0"/>
-              <a:t>12/1/2017</a:t>
+              <a:t>12/3/2017</a:t>
             </a:fld>
             <a:endParaRPr lang="en-US"/>
           </a:p>
@@ -5732,7 +5735,7 @@
           <a:p>
             <a:fld id="{3CCDA83E-EA51-4128-A010-1A549244A730}" type="datetimeFigureOut">
               <a:rPr lang="en-US" smtClean="0"/>
-              <a:t>12/1/2017</a:t>
+              <a:t>12/3/2017</a:t>
             </a:fld>
             <a:endParaRPr lang="en-US"/>
           </a:p>
@@ -5829,7 +5832,7 @@
           <a:p>
             <a:fld id="{3CCDA83E-EA51-4128-A010-1A549244A730}" type="datetimeFigureOut">
               <a:rPr lang="en-US" smtClean="0"/>
-              <a:t>12/1/2017</a:t>
+              <a:t>12/3/2017</a:t>
             </a:fld>
             <a:endParaRPr lang="en-US"/>
           </a:p>
@@ -6113,7 +6116,7 @@
           <a:p>
             <a:fld id="{3CCDA83E-EA51-4128-A010-1A549244A730}" type="datetimeFigureOut">
               <a:rPr lang="en-US" smtClean="0"/>
-              <a:t>12/1/2017</a:t>
+              <a:t>12/3/2017</a:t>
             </a:fld>
             <a:endParaRPr lang="en-US"/>
           </a:p>
@@ -6635,7 +6638,7 @@
           <a:p>
             <a:fld id="{3CCDA83E-EA51-4128-A010-1A549244A730}" type="datetimeFigureOut">
               <a:rPr lang="en-US" smtClean="0"/>
-              <a:t>12/1/2017</a:t>
+              <a:t>12/3/2017</a:t>
             </a:fld>
             <a:endParaRPr lang="en-US"/>
           </a:p>
@@ -7176,7 +7179,7 @@
           <a:p>
             <a:fld id="{3CCDA83E-EA51-4128-A010-1A549244A730}" type="datetimeFigureOut">
               <a:rPr lang="en-US" smtClean="0"/>
-              <a:t>12/1/2017</a:t>
+              <a:t>12/3/2017</a:t>
             </a:fld>
             <a:endParaRPr lang="en-US"/>
           </a:p>
@@ -8980,7 +8983,7 @@
               <a:buNone/>
             </a:pPr>
             <a:r>
-              <a:rPr lang="fr-FR" dirty="0" err="1">
+              <a:rPr lang="fr-FR" dirty="0" smtClean="0">
                 <a:effectLst>
                   <a:outerShdw blurRad="38100" dist="38100" dir="2700000" algn="tl">
                     <a:srgbClr val="000000">
@@ -8989,7 +8992,7 @@
                   </a:outerShdw>
                 </a:effectLst>
               </a:rPr>
-              <a:t>Interprêter</a:t>
+              <a:t>Interpréter </a:t>
             </a:r>
             <a:r>
               <a:rPr lang="fr-FR" dirty="0">
@@ -9001,7 +9004,7 @@
                   </a:outerShdw>
                 </a:effectLst>
               </a:rPr>
-              <a:t> un rapport </a:t>
+              <a:t>un rapport </a:t>
             </a:r>
             <a:r>
               <a:rPr lang="fr-FR" dirty="0" err="1">
@@ -9272,11 +9275,15 @@
             </a:r>
             <a:r>
               <a:rPr lang="en-US" dirty="0" err="1" smtClean="0"/>
-              <a:t>Interprêter</a:t>
-            </a:r>
-            <a:r>
-              <a:rPr lang="en-US" dirty="0" smtClean="0"/>
-              <a:t> un rapport </a:t>
+              <a:t>Interpréter</a:t>
+            </a:r>
+            <a:r>
+              <a:rPr lang="en-US" dirty="0" smtClean="0"/>
+              <a:t> </a:t>
+            </a:r>
+            <a:r>
+              <a:rPr lang="en-US" dirty="0" smtClean="0"/>
+              <a:t>un rapport </a:t>
             </a:r>
             <a:r>
               <a:rPr lang="en-US" dirty="0" err="1" smtClean="0"/>
@@ -9290,6 +9297,404 @@
     <p:extLst>
       <p:ext uri="{BB962C8B-B14F-4D97-AF65-F5344CB8AC3E}">
         <p14:creationId xmlns:p14="http://schemas.microsoft.com/office/powerpoint/2010/main" val="2305966738"/>
+      </p:ext>
+    </p:extLst>
+  </p:cSld>
+  <p:clrMapOvr>
+    <a:masterClrMapping/>
+  </p:clrMapOvr>
+</p:sld>
+</file>
+
+<file path=ppt/slides/slide18.xml><?xml version="1.0" encoding="utf-8"?>
+<p:sld xmlns:a="http://schemas.openxmlformats.org/drawingml/2006/main" xmlns:r="http://schemas.openxmlformats.org/officeDocument/2006/relationships" xmlns:p="http://schemas.openxmlformats.org/presentationml/2006/main">
+  <p:cSld>
+    <p:spTree>
+      <p:nvGrpSpPr>
+        <p:cNvPr id="1" name=""/>
+        <p:cNvGrpSpPr/>
+        <p:nvPr/>
+      </p:nvGrpSpPr>
+      <p:grpSpPr>
+        <a:xfrm>
+          <a:off x="0" y="0"/>
+          <a:ext cx="0" cy="0"/>
+          <a:chOff x="0" y="0"/>
+          <a:chExt cx="0" cy="0"/>
+        </a:xfrm>
+      </p:grpSpPr>
+      <p:sp>
+        <p:nvSpPr>
+          <p:cNvPr id="2" name="Title 1"/>
+          <p:cNvSpPr>
+            <a:spLocks noGrp="1"/>
+          </p:cNvSpPr>
+          <p:nvPr>
+            <p:ph type="title"/>
+          </p:nvPr>
+        </p:nvSpPr>
+        <p:spPr>
+          <a:xfrm>
+            <a:off x="1905000" y="381000"/>
+            <a:ext cx="6512511" cy="1143000"/>
+          </a:xfrm>
+        </p:spPr>
+        <p:txBody>
+          <a:bodyPr/>
+          <a:lstStyle/>
+          <a:p>
+            <a:pPr marL="0" indent="0" algn="ctr">
+              <a:buNone/>
+            </a:pPr>
+            <a:r>
+              <a:rPr lang="en-US" dirty="0" smtClean="0"/>
+              <a:t>Demo : </a:t>
+            </a:r>
+            <a:r>
+              <a:rPr lang="en-US" dirty="0" err="1" smtClean="0"/>
+              <a:t>Utiliser</a:t>
+            </a:r>
+            <a:r>
+              <a:rPr lang="en-US" dirty="0" smtClean="0"/>
+              <a:t> </a:t>
+            </a:r>
+            <a:r>
+              <a:rPr lang="fr-FR" dirty="0" err="1"/>
+              <a:t>PSCodeHealth</a:t>
+            </a:r>
+            <a:r>
+              <a:rPr lang="fr-FR" dirty="0"/>
+              <a:t> pour </a:t>
+            </a:r>
+            <a:r>
+              <a:rPr lang="fr-FR" dirty="0" smtClean="0"/>
+              <a:t>vérifier </a:t>
+            </a:r>
+            <a:r>
+              <a:rPr lang="fr-FR" dirty="0"/>
+              <a:t>les </a:t>
+            </a:r>
+            <a:r>
+              <a:rPr lang="fr-FR" dirty="0" smtClean="0"/>
+              <a:t>progrès</a:t>
+            </a:r>
+            <a:endParaRPr lang="en-US" dirty="0"/>
+          </a:p>
+        </p:txBody>
+      </p:sp>
+    </p:spTree>
+    <p:extLst>
+      <p:ext uri="{BB962C8B-B14F-4D97-AF65-F5344CB8AC3E}">
+        <p14:creationId xmlns:p14="http://schemas.microsoft.com/office/powerpoint/2010/main" val="2120352553"/>
+      </p:ext>
+    </p:extLst>
+  </p:cSld>
+  <p:clrMapOvr>
+    <a:masterClrMapping/>
+  </p:clrMapOvr>
+</p:sld>
+</file>
+
+<file path=ppt/slides/slide19.xml><?xml version="1.0" encoding="utf-8"?>
+<p:sld xmlns:a="http://schemas.openxmlformats.org/drawingml/2006/main" xmlns:r="http://schemas.openxmlformats.org/officeDocument/2006/relationships" xmlns:p="http://schemas.openxmlformats.org/presentationml/2006/main">
+  <p:cSld>
+    <p:spTree>
+      <p:nvGrpSpPr>
+        <p:cNvPr id="1" name=""/>
+        <p:cNvGrpSpPr/>
+        <p:nvPr/>
+      </p:nvGrpSpPr>
+      <p:grpSpPr>
+        <a:xfrm>
+          <a:off x="0" y="0"/>
+          <a:ext cx="0" cy="0"/>
+          <a:chOff x="0" y="0"/>
+          <a:chExt cx="0" cy="0"/>
+        </a:xfrm>
+      </p:grpSpPr>
+      <p:sp>
+        <p:nvSpPr>
+          <p:cNvPr id="2" name="Title 1"/>
+          <p:cNvSpPr>
+            <a:spLocks noGrp="1"/>
+          </p:cNvSpPr>
+          <p:nvPr>
+            <p:ph type="title"/>
+          </p:nvPr>
+        </p:nvSpPr>
+        <p:spPr>
+          <a:xfrm>
+            <a:off x="1524000" y="304800"/>
+            <a:ext cx="6512511" cy="1143000"/>
+          </a:xfrm>
+        </p:spPr>
+        <p:txBody>
+          <a:bodyPr/>
+          <a:lstStyle/>
+          <a:p>
+            <a:pPr marL="0" indent="0">
+              <a:buNone/>
+            </a:pPr>
+            <a:r>
+              <a:rPr lang="en-US" dirty="0" err="1" smtClean="0"/>
+              <a:t>Personnaliser</a:t>
+            </a:r>
+            <a:r>
+              <a:rPr lang="en-US" dirty="0" smtClean="0"/>
+              <a:t> les </a:t>
+            </a:r>
+            <a:r>
+              <a:rPr lang="en-US" dirty="0" err="1" smtClean="0"/>
+              <a:t>règles</a:t>
+            </a:r>
+            <a:r>
+              <a:rPr lang="en-US" dirty="0" smtClean="0"/>
+              <a:t> de </a:t>
+            </a:r>
+            <a:r>
+              <a:rPr lang="en-US" dirty="0" err="1" smtClean="0"/>
+              <a:t>métriques</a:t>
+            </a:r>
+            <a:endParaRPr lang="en-US" dirty="0"/>
+          </a:p>
+        </p:txBody>
+      </p:sp>
+      <p:sp>
+        <p:nvSpPr>
+          <p:cNvPr id="3" name="Content Placeholder 2"/>
+          <p:cNvSpPr>
+            <a:spLocks noGrp="1"/>
+          </p:cNvSpPr>
+          <p:nvPr>
+            <p:ph sz="quarter" idx="13"/>
+          </p:nvPr>
+        </p:nvSpPr>
+        <p:spPr>
+          <a:xfrm>
+            <a:off x="1295400" y="2590800"/>
+            <a:ext cx="6400800" cy="3474720"/>
+          </a:xfrm>
+        </p:spPr>
+        <p:txBody>
+          <a:bodyPr>
+            <a:normAutofit lnSpcReduction="10000"/>
+          </a:bodyPr>
+          <a:lstStyle/>
+          <a:p>
+            <a:pPr>
+              <a:buFont typeface="Courier New" panose="02070309020205020404" pitchFamily="49" charset="0"/>
+              <a:buChar char="o"/>
+            </a:pPr>
+            <a:r>
+              <a:rPr lang="en-US" dirty="0" smtClean="0"/>
+              <a:t> Les </a:t>
+            </a:r>
+            <a:r>
+              <a:rPr lang="en-US" dirty="0" err="1" smtClean="0"/>
+              <a:t>règles</a:t>
+            </a:r>
+            <a:r>
+              <a:rPr lang="en-US" dirty="0" smtClean="0"/>
+              <a:t> de </a:t>
+            </a:r>
+            <a:r>
+              <a:rPr lang="en-US" dirty="0" err="1" smtClean="0"/>
+              <a:t>métriques</a:t>
+            </a:r>
+            <a:r>
+              <a:rPr lang="en-US" dirty="0" smtClean="0"/>
+              <a:t> par </a:t>
+            </a:r>
+            <a:r>
+              <a:rPr lang="en-US" dirty="0" err="1" smtClean="0"/>
+              <a:t>défaut</a:t>
+            </a:r>
+            <a:endParaRPr lang="en-US" dirty="0" smtClean="0"/>
+          </a:p>
+          <a:p>
+            <a:pPr lvl="1">
+              <a:buFont typeface="Wingdings" panose="05000000000000000000" pitchFamily="2" charset="2"/>
+              <a:buChar char="Ø"/>
+            </a:pPr>
+            <a:r>
+              <a:rPr lang="en-US" dirty="0"/>
+              <a:t> </a:t>
+            </a:r>
+            <a:r>
+              <a:rPr lang="en-US" dirty="0" smtClean="0"/>
+              <a:t>Get-</a:t>
+            </a:r>
+            <a:r>
+              <a:rPr lang="en-US" dirty="0" err="1" smtClean="0"/>
+              <a:t>PSCodeHealthComplianceRule</a:t>
+            </a:r>
+            <a:endParaRPr lang="en-US" dirty="0" smtClean="0"/>
+          </a:p>
+          <a:p>
+            <a:pPr>
+              <a:buFont typeface="Courier New" panose="02070309020205020404" pitchFamily="49" charset="0"/>
+              <a:buChar char="o"/>
+            </a:pPr>
+            <a:endParaRPr lang="en-US" dirty="0"/>
+          </a:p>
+          <a:p>
+            <a:pPr>
+              <a:buFont typeface="Courier New" panose="02070309020205020404" pitchFamily="49" charset="0"/>
+              <a:buChar char="o"/>
+            </a:pPr>
+            <a:r>
+              <a:rPr lang="en-US" dirty="0" smtClean="0"/>
+              <a:t> </a:t>
+            </a:r>
+            <a:r>
+              <a:rPr lang="en-US" dirty="0" err="1" smtClean="0"/>
+              <a:t>Vérifier</a:t>
+            </a:r>
+            <a:r>
+              <a:rPr lang="en-US" dirty="0" smtClean="0"/>
+              <a:t> </a:t>
+            </a:r>
+            <a:r>
+              <a:rPr lang="en-US" dirty="0" err="1" smtClean="0"/>
+              <a:t>qu’un</a:t>
+            </a:r>
+            <a:r>
+              <a:rPr lang="en-US" dirty="0" smtClean="0"/>
+              <a:t> </a:t>
+            </a:r>
+            <a:r>
+              <a:rPr lang="en-US" dirty="0" err="1" smtClean="0"/>
+              <a:t>projet</a:t>
+            </a:r>
+            <a:r>
+              <a:rPr lang="en-US" dirty="0" smtClean="0"/>
+              <a:t> PowerShell </a:t>
+            </a:r>
+            <a:r>
+              <a:rPr lang="en-US" dirty="0" err="1" smtClean="0"/>
+              <a:t>est</a:t>
+            </a:r>
+            <a:r>
+              <a:rPr lang="en-US" dirty="0" smtClean="0"/>
+              <a:t> </a:t>
+            </a:r>
+            <a:r>
+              <a:rPr lang="en-US" dirty="0" err="1" smtClean="0"/>
+              <a:t>en</a:t>
+            </a:r>
+            <a:r>
+              <a:rPr lang="en-US" dirty="0" smtClean="0"/>
+              <a:t> </a:t>
+            </a:r>
+            <a:r>
+              <a:rPr lang="en-US" dirty="0" err="1" smtClean="0"/>
+              <a:t>conformité</a:t>
+            </a:r>
+            <a:r>
+              <a:rPr lang="en-US" dirty="0" smtClean="0"/>
+              <a:t> avec les </a:t>
+            </a:r>
+            <a:r>
+              <a:rPr lang="en-US" dirty="0" err="1" smtClean="0"/>
+              <a:t>règles</a:t>
+            </a:r>
+            <a:endParaRPr lang="en-US" dirty="0" smtClean="0"/>
+          </a:p>
+          <a:p>
+            <a:pPr lvl="1">
+              <a:buFont typeface="Wingdings" panose="05000000000000000000" pitchFamily="2" charset="2"/>
+              <a:buChar char="Ø"/>
+            </a:pPr>
+            <a:r>
+              <a:rPr lang="en-US" dirty="0"/>
+              <a:t> </a:t>
+            </a:r>
+            <a:r>
+              <a:rPr lang="en-US" dirty="0" smtClean="0"/>
+              <a:t>Test-</a:t>
+            </a:r>
+            <a:r>
+              <a:rPr lang="en-US" dirty="0" err="1" smtClean="0"/>
+              <a:t>PSCodeHealthCompliance</a:t>
+            </a:r>
+            <a:endParaRPr lang="en-US" dirty="0" smtClean="0"/>
+          </a:p>
+          <a:p>
+            <a:pPr>
+              <a:buFont typeface="Courier New" panose="02070309020205020404" pitchFamily="49" charset="0"/>
+              <a:buChar char="o"/>
+            </a:pPr>
+            <a:endParaRPr lang="en-US" dirty="0"/>
+          </a:p>
+          <a:p>
+            <a:pPr>
+              <a:buFont typeface="Courier New" panose="02070309020205020404" pitchFamily="49" charset="0"/>
+              <a:buChar char="o"/>
+            </a:pPr>
+            <a:r>
+              <a:rPr lang="en-US" dirty="0" smtClean="0"/>
+              <a:t> </a:t>
+            </a:r>
+            <a:r>
+              <a:rPr lang="en-US" dirty="0" err="1" smtClean="0"/>
+              <a:t>Personnaliser</a:t>
+            </a:r>
+            <a:r>
+              <a:rPr lang="en-US" dirty="0" smtClean="0"/>
+              <a:t> les </a:t>
+            </a:r>
+            <a:r>
+              <a:rPr lang="en-US" dirty="0" err="1" smtClean="0"/>
+              <a:t>règles</a:t>
+            </a:r>
+            <a:r>
+              <a:rPr lang="en-US" dirty="0" smtClean="0"/>
+              <a:t> de </a:t>
+            </a:r>
+            <a:r>
+              <a:rPr lang="en-US" dirty="0" err="1" smtClean="0"/>
+              <a:t>metriques</a:t>
+            </a:r>
+            <a:r>
+              <a:rPr lang="en-US" dirty="0" smtClean="0"/>
+              <a:t> pour </a:t>
+            </a:r>
+            <a:r>
+              <a:rPr lang="en-US" dirty="0" err="1" smtClean="0"/>
+              <a:t>coller</a:t>
+            </a:r>
+            <a:r>
+              <a:rPr lang="en-US" dirty="0" smtClean="0"/>
+              <a:t> aux </a:t>
+            </a:r>
+            <a:r>
+              <a:rPr lang="en-US" dirty="0" err="1" smtClean="0"/>
+              <a:t>besoins</a:t>
+            </a:r>
+            <a:r>
+              <a:rPr lang="en-US" dirty="0" smtClean="0"/>
+              <a:t> de </a:t>
+            </a:r>
+            <a:r>
+              <a:rPr lang="en-US" dirty="0" err="1" smtClean="0"/>
+              <a:t>notre</a:t>
+            </a:r>
+            <a:r>
+              <a:rPr lang="en-US" dirty="0" smtClean="0"/>
+              <a:t> </a:t>
+            </a:r>
+            <a:r>
+              <a:rPr lang="en-US" dirty="0" err="1" smtClean="0"/>
+              <a:t>projet</a:t>
+            </a:r>
+            <a:endParaRPr lang="en-US" dirty="0"/>
+          </a:p>
+        </p:txBody>
+      </p:sp>
+    </p:spTree>
+    <p:extLst>
+      <p:ext uri="{BB962C8B-B14F-4D97-AF65-F5344CB8AC3E}">
+        <p14:creationId xmlns:p14="http://schemas.microsoft.com/office/powerpoint/2010/main" val="4205717637"/>
       </p:ext>
     </p:extLst>
   </p:cSld>
@@ -9525,7 +9930,7 @@
               <a:t> </a:t>
             </a:r>
             <a:r>
-              <a:rPr lang="fr-FR" dirty="0" err="1">
+              <a:rPr lang="fr-FR" dirty="0" smtClean="0">
                 <a:effectLst>
                   <a:outerShdw blurRad="38100" dist="38100" dir="2700000" algn="tl">
                     <a:srgbClr val="000000">
@@ -9534,19 +9939,7 @@
                   </a:outerShdw>
                 </a:effectLst>
               </a:rPr>
-              <a:t>Interprêter</a:t>
-            </a:r>
-            <a:r>
-              <a:rPr lang="fr-FR" dirty="0">
-                <a:effectLst>
-                  <a:outerShdw blurRad="38100" dist="38100" dir="2700000" algn="tl">
-                    <a:srgbClr val="000000">
-                      <a:alpha val="43137"/>
-                    </a:srgbClr>
-                  </a:outerShdw>
-                </a:effectLst>
-              </a:rPr>
-              <a:t> </a:t>
+              <a:t>Interpréter </a:t>
             </a:r>
             <a:r>
               <a:rPr lang="fr-FR" dirty="0" smtClean="0">
@@ -9603,18 +9996,6 @@
               <a:t> </a:t>
             </a:r>
             <a:r>
-              <a:rPr lang="fr-FR" dirty="0" err="1" smtClean="0">
-                <a:effectLst>
-                  <a:outerShdw blurRad="38100" dist="38100" dir="2700000" algn="tl">
-                    <a:srgbClr val="000000">
-                      <a:alpha val="43137"/>
-                    </a:srgbClr>
-                  </a:outerShdw>
-                </a:effectLst>
-              </a:rPr>
-              <a:t>Personaliser</a:t>
-            </a:r>
-            <a:r>
               <a:rPr lang="fr-FR" dirty="0" smtClean="0">
                 <a:effectLst>
                   <a:outerShdw blurRad="38100" dist="38100" dir="2700000" algn="tl">
@@ -9624,7 +10005,19 @@
                   </a:outerShdw>
                 </a:effectLst>
               </a:rPr>
-              <a:t> les règles de métriques </a:t>
+              <a:t>Personnaliser </a:t>
+            </a:r>
+            <a:r>
+              <a:rPr lang="fr-FR" dirty="0" smtClean="0">
+                <a:effectLst>
+                  <a:outerShdw blurRad="38100" dist="38100" dir="2700000" algn="tl">
+                    <a:srgbClr val="000000">
+                      <a:alpha val="43137"/>
+                    </a:srgbClr>
+                  </a:outerShdw>
+                </a:effectLst>
+              </a:rPr>
+              <a:t>les règles de métriques </a:t>
             </a:r>
             <a:r>
               <a:rPr lang="fr-FR" dirty="0" err="1" smtClean="0">
@@ -9667,6 +10060,95 @@
       </p:par>
     </p:tnLst>
   </p:timing>
+</p:sld>
+</file>
+
+<file path=ppt/slides/slide20.xml><?xml version="1.0" encoding="utf-8"?>
+<p:sld xmlns:a="http://schemas.openxmlformats.org/drawingml/2006/main" xmlns:r="http://schemas.openxmlformats.org/officeDocument/2006/relationships" xmlns:p="http://schemas.openxmlformats.org/presentationml/2006/main">
+  <p:cSld>
+    <p:spTree>
+      <p:nvGrpSpPr>
+        <p:cNvPr id="1" name=""/>
+        <p:cNvGrpSpPr/>
+        <p:nvPr/>
+      </p:nvGrpSpPr>
+      <p:grpSpPr>
+        <a:xfrm>
+          <a:off x="0" y="0"/>
+          <a:ext cx="0" cy="0"/>
+          <a:chOff x="0" y="0"/>
+          <a:chExt cx="0" cy="0"/>
+        </a:xfrm>
+      </p:grpSpPr>
+      <p:sp>
+        <p:nvSpPr>
+          <p:cNvPr id="2" name="Title 1"/>
+          <p:cNvSpPr>
+            <a:spLocks noGrp="1"/>
+          </p:cNvSpPr>
+          <p:nvPr>
+            <p:ph type="title"/>
+          </p:nvPr>
+        </p:nvSpPr>
+        <p:spPr>
+          <a:xfrm>
+            <a:off x="1752600" y="381000"/>
+            <a:ext cx="6512511" cy="1143000"/>
+          </a:xfrm>
+        </p:spPr>
+        <p:txBody>
+          <a:bodyPr/>
+          <a:lstStyle/>
+          <a:p>
+            <a:pPr marL="0" indent="0" algn="ctr">
+              <a:buNone/>
+            </a:pPr>
+            <a:r>
+              <a:rPr lang="en-US" dirty="0" smtClean="0"/>
+              <a:t>Demo : </a:t>
+            </a:r>
+            <a:r>
+              <a:rPr lang="en-US" dirty="0" err="1" smtClean="0"/>
+              <a:t>Personnaliser</a:t>
+            </a:r>
+            <a:r>
+              <a:rPr lang="en-US" dirty="0" smtClean="0"/>
+              <a:t> les </a:t>
+            </a:r>
+            <a:r>
+              <a:rPr lang="en-US" dirty="0" err="1" smtClean="0"/>
+              <a:t>règles</a:t>
+            </a:r>
+            <a:r>
+              <a:rPr lang="en-US" dirty="0" smtClean="0"/>
+              <a:t> de </a:t>
+            </a:r>
+            <a:r>
+              <a:rPr lang="en-US" dirty="0" err="1" smtClean="0"/>
+              <a:t>métriques</a:t>
+            </a:r>
+            <a:r>
+              <a:rPr lang="en-US" dirty="0" smtClean="0"/>
+              <a:t> </a:t>
+            </a:r>
+            <a:r>
+              <a:rPr lang="en-US" dirty="0" err="1" smtClean="0"/>
+              <a:t>PSCodeHealth</a:t>
+            </a:r>
+            <a:endParaRPr lang="en-US" dirty="0"/>
+          </a:p>
+        </p:txBody>
+      </p:sp>
+    </p:spTree>
+    <p:extLst>
+      <p:ext uri="{BB962C8B-B14F-4D97-AF65-F5344CB8AC3E}">
+        <p14:creationId xmlns:p14="http://schemas.microsoft.com/office/powerpoint/2010/main" val="737920564"/>
+      </p:ext>
+    </p:extLst>
+  </p:cSld>
+  <p:clrMapOvr>
+    <a:masterClrMapping/>
+  </p:clrMapOvr>
 </p:sld>
 </file>
 

--- a/Qualite de code et PSCodeHealth.pptx
+++ b/Qualite de code et PSCodeHealth.pptx
@@ -25,6 +25,8 @@
     <p:sldId id="273" r:id="rId19"/>
     <p:sldId id="274" r:id="rId20"/>
     <p:sldId id="275" r:id="rId21"/>
+    <p:sldId id="276" r:id="rId22"/>
+    <p:sldId id="277" r:id="rId23"/>
   </p:sldIdLst>
   <p:sldSz cx="9144000" cy="6858000" type="screen4x3"/>
   <p:notesSz cx="6858000" cy="9144000"/>
@@ -3798,7 +3800,7 @@
           <a:p>
             <a:fld id="{3CCDA83E-EA51-4128-A010-1A549244A730}" type="datetimeFigureOut">
               <a:rPr lang="en-US" smtClean="0"/>
-              <a:t>12/3/2017</a:t>
+              <a:t>12/5/2017</a:t>
             </a:fld>
             <a:endParaRPr lang="en-US"/>
           </a:p>
@@ -4010,7 +4012,7 @@
           <a:p>
             <a:fld id="{3CCDA83E-EA51-4128-A010-1A549244A730}" type="datetimeFigureOut">
               <a:rPr lang="en-US" smtClean="0"/>
-              <a:t>12/3/2017</a:t>
+              <a:t>12/5/2017</a:t>
             </a:fld>
             <a:endParaRPr lang="en-US"/>
           </a:p>
@@ -4197,7 +4199,7 @@
           <a:p>
             <a:fld id="{3CCDA83E-EA51-4128-A010-1A549244A730}" type="datetimeFigureOut">
               <a:rPr lang="en-US" smtClean="0"/>
-              <a:t>12/3/2017</a:t>
+              <a:t>12/5/2017</a:t>
             </a:fld>
             <a:endParaRPr lang="en-US"/>
           </a:p>
@@ -4294,7 +4296,7 @@
           <a:p>
             <a:fld id="{3CCDA83E-EA51-4128-A010-1A549244A730}" type="datetimeFigureOut">
               <a:rPr lang="en-US" smtClean="0"/>
-              <a:t>12/3/2017</a:t>
+              <a:t>12/5/2017</a:t>
             </a:fld>
             <a:endParaRPr lang="en-US"/>
           </a:p>
@@ -4890,7 +4892,7 @@
           <a:p>
             <a:fld id="{3CCDA83E-EA51-4128-A010-1A549244A730}" type="datetimeFigureOut">
               <a:rPr lang="en-US" smtClean="0"/>
-              <a:t>12/3/2017</a:t>
+              <a:t>12/5/2017</a:t>
             </a:fld>
             <a:endParaRPr lang="en-US"/>
           </a:p>
@@ -4987,7 +4989,7 @@
           <a:p>
             <a:fld id="{3CCDA83E-EA51-4128-A010-1A549244A730}" type="datetimeFigureOut">
               <a:rPr lang="en-US" smtClean="0"/>
-              <a:t>12/3/2017</a:t>
+              <a:t>12/5/2017</a:t>
             </a:fld>
             <a:endParaRPr lang="en-US"/>
           </a:p>
@@ -5592,7 +5594,7 @@
           <a:p>
             <a:fld id="{3CCDA83E-EA51-4128-A010-1A549244A730}" type="datetimeFigureOut">
               <a:rPr lang="en-US" smtClean="0"/>
-              <a:t>12/3/2017</a:t>
+              <a:t>12/5/2017</a:t>
             </a:fld>
             <a:endParaRPr lang="en-US"/>
           </a:p>
@@ -5735,7 +5737,7 @@
           <a:p>
             <a:fld id="{3CCDA83E-EA51-4128-A010-1A549244A730}" type="datetimeFigureOut">
               <a:rPr lang="en-US" smtClean="0"/>
-              <a:t>12/3/2017</a:t>
+              <a:t>12/5/2017</a:t>
             </a:fld>
             <a:endParaRPr lang="en-US"/>
           </a:p>
@@ -5832,7 +5834,7 @@
           <a:p>
             <a:fld id="{3CCDA83E-EA51-4128-A010-1A549244A730}" type="datetimeFigureOut">
               <a:rPr lang="en-US" smtClean="0"/>
-              <a:t>12/3/2017</a:t>
+              <a:t>12/5/2017</a:t>
             </a:fld>
             <a:endParaRPr lang="en-US"/>
           </a:p>
@@ -6116,7 +6118,7 @@
           <a:p>
             <a:fld id="{3CCDA83E-EA51-4128-A010-1A549244A730}" type="datetimeFigureOut">
               <a:rPr lang="en-US" smtClean="0"/>
-              <a:t>12/3/2017</a:t>
+              <a:t>12/5/2017</a:t>
             </a:fld>
             <a:endParaRPr lang="en-US"/>
           </a:p>
@@ -6638,7 +6640,7 @@
           <a:p>
             <a:fld id="{3CCDA83E-EA51-4128-A010-1A549244A730}" type="datetimeFigureOut">
               <a:rPr lang="en-US" smtClean="0"/>
-              <a:t>12/3/2017</a:t>
+              <a:t>12/5/2017</a:t>
             </a:fld>
             <a:endParaRPr lang="en-US"/>
           </a:p>
@@ -7179,7 +7181,7 @@
           <a:p>
             <a:fld id="{3CCDA83E-EA51-4128-A010-1A549244A730}" type="datetimeFigureOut">
               <a:rPr lang="en-US" smtClean="0"/>
-              <a:t>12/3/2017</a:t>
+              <a:t>12/5/2017</a:t>
             </a:fld>
             <a:endParaRPr lang="en-US"/>
           </a:p>
@@ -9279,11 +9281,7 @@
             </a:r>
             <a:r>
               <a:rPr lang="en-US" dirty="0" smtClean="0"/>
-              <a:t> </a:t>
-            </a:r>
-            <a:r>
-              <a:rPr lang="en-US" dirty="0" smtClean="0"/>
-              <a:t>un rapport </a:t>
+              <a:t> un rapport </a:t>
             </a:r>
             <a:r>
               <a:rPr lang="en-US" dirty="0" err="1" smtClean="0"/>
@@ -9939,19 +9937,7 @@
                   </a:outerShdw>
                 </a:effectLst>
               </a:rPr>
-              <a:t>Interpréter </a:t>
-            </a:r>
-            <a:r>
-              <a:rPr lang="fr-FR" dirty="0" smtClean="0">
-                <a:effectLst>
-                  <a:outerShdw blurRad="38100" dist="38100" dir="2700000" algn="tl">
-                    <a:srgbClr val="000000">
-                      <a:alpha val="43137"/>
-                    </a:srgbClr>
-                  </a:outerShdw>
-                </a:effectLst>
-              </a:rPr>
-              <a:t>un rapport </a:t>
+              <a:t>Interpréter un rapport </a:t>
             </a:r>
             <a:r>
               <a:rPr lang="fr-FR" dirty="0" err="1" smtClean="0">
@@ -9993,31 +9979,7 @@
                   </a:outerShdw>
                 </a:effectLst>
               </a:rPr>
-              <a:t> </a:t>
-            </a:r>
-            <a:r>
-              <a:rPr lang="fr-FR" dirty="0" smtClean="0">
-                <a:effectLst>
-                  <a:outerShdw blurRad="38100" dist="38100" dir="2700000" algn="tl">
-                    <a:srgbClr val="000000">
-                      <a:alpha val="43137"/>
-                    </a:srgbClr>
-                  </a:outerShdw>
-                </a:effectLst>
-              </a:rPr>
-              <a:t>Personnaliser </a:t>
-            </a:r>
-            <a:r>
-              <a:rPr lang="fr-FR" dirty="0" smtClean="0">
-                <a:effectLst>
-                  <a:outerShdw blurRad="38100" dist="38100" dir="2700000" algn="tl">
-                    <a:srgbClr val="000000">
-                      <a:alpha val="43137"/>
-                    </a:srgbClr>
-                  </a:outerShdw>
-                </a:effectLst>
-              </a:rPr>
-              <a:t>les règles de métriques </a:t>
+              <a:t> Personnaliser les règles de métriques </a:t>
             </a:r>
             <a:r>
               <a:rPr lang="fr-FR" dirty="0" err="1" smtClean="0">
@@ -10143,6 +10105,373 @@
     <p:extLst>
       <p:ext uri="{BB962C8B-B14F-4D97-AF65-F5344CB8AC3E}">
         <p14:creationId xmlns:p14="http://schemas.microsoft.com/office/powerpoint/2010/main" val="737920564"/>
+      </p:ext>
+    </p:extLst>
+  </p:cSld>
+  <p:clrMapOvr>
+    <a:masterClrMapping/>
+  </p:clrMapOvr>
+  <p:timing>
+    <p:tnLst>
+      <p:par>
+        <p:cTn id="1" dur="indefinite" restart="never" nodeType="tmRoot"/>
+      </p:par>
+    </p:tnLst>
+  </p:timing>
+</p:sld>
+</file>
+
+<file path=ppt/slides/slide21.xml><?xml version="1.0" encoding="utf-8"?>
+<p:sld xmlns:a="http://schemas.openxmlformats.org/drawingml/2006/main" xmlns:r="http://schemas.openxmlformats.org/officeDocument/2006/relationships" xmlns:p="http://schemas.openxmlformats.org/presentationml/2006/main">
+  <p:cSld>
+    <p:spTree>
+      <p:nvGrpSpPr>
+        <p:cNvPr id="1" name=""/>
+        <p:cNvGrpSpPr/>
+        <p:nvPr/>
+      </p:nvGrpSpPr>
+      <p:grpSpPr>
+        <a:xfrm>
+          <a:off x="0" y="0"/>
+          <a:ext cx="0" cy="0"/>
+          <a:chOff x="0" y="0"/>
+          <a:chExt cx="0" cy="0"/>
+        </a:xfrm>
+      </p:grpSpPr>
+      <p:sp>
+        <p:nvSpPr>
+          <p:cNvPr id="2" name="Title 1"/>
+          <p:cNvSpPr>
+            <a:spLocks noGrp="1"/>
+          </p:cNvSpPr>
+          <p:nvPr>
+            <p:ph type="title"/>
+          </p:nvPr>
+        </p:nvSpPr>
+        <p:spPr>
+          <a:xfrm>
+            <a:off x="1447800" y="152400"/>
+            <a:ext cx="6512511" cy="1143000"/>
+          </a:xfrm>
+        </p:spPr>
+        <p:txBody>
+          <a:bodyPr/>
+          <a:lstStyle/>
+          <a:p>
+            <a:pPr marL="0" indent="0" algn="ctr">
+              <a:buNone/>
+            </a:pPr>
+            <a:r>
+              <a:rPr lang="en-US" dirty="0" err="1" smtClean="0"/>
+              <a:t>Aller</a:t>
+            </a:r>
+            <a:r>
+              <a:rPr lang="en-US" dirty="0" smtClean="0"/>
+              <a:t> plus loin</a:t>
+            </a:r>
+            <a:endParaRPr lang="en-US" dirty="0"/>
+          </a:p>
+        </p:txBody>
+      </p:sp>
+      <p:sp>
+        <p:nvSpPr>
+          <p:cNvPr id="3" name="Content Placeholder 2"/>
+          <p:cNvSpPr>
+            <a:spLocks noGrp="1"/>
+          </p:cNvSpPr>
+          <p:nvPr>
+            <p:ph sz="quarter" idx="13"/>
+          </p:nvPr>
+        </p:nvSpPr>
+        <p:spPr>
+          <a:xfrm>
+            <a:off x="838200" y="1447800"/>
+            <a:ext cx="7848600" cy="4953000"/>
+          </a:xfrm>
+        </p:spPr>
+        <p:txBody>
+          <a:bodyPr>
+            <a:normAutofit lnSpcReduction="10000"/>
+          </a:bodyPr>
+          <a:lstStyle/>
+          <a:p>
+            <a:pPr>
+              <a:buFont typeface="Courier New" panose="02070309020205020404" pitchFamily="49" charset="0"/>
+              <a:buChar char="o"/>
+            </a:pPr>
+            <a:r>
+              <a:rPr lang="en-US" dirty="0" smtClean="0"/>
+              <a:t> GitHub repo :</a:t>
+            </a:r>
+          </a:p>
+          <a:p>
+            <a:pPr lvl="1">
+              <a:buFont typeface="Wingdings" panose="05000000000000000000" pitchFamily="2" charset="2"/>
+              <a:buChar char="Ø"/>
+            </a:pPr>
+            <a:r>
+              <a:rPr lang="en-US" sz="1800" dirty="0" smtClean="0"/>
+              <a:t>https</a:t>
+            </a:r>
+            <a:r>
+              <a:rPr lang="en-US" sz="1800" dirty="0"/>
+              <a:t>://</a:t>
+            </a:r>
+            <a:r>
+              <a:rPr lang="en-US" sz="1800" dirty="0" smtClean="0"/>
+              <a:t>github.com/MathieuBuisson/PSCodeHealth</a:t>
+            </a:r>
+            <a:br>
+              <a:rPr lang="en-US" sz="1800" dirty="0" smtClean="0"/>
+            </a:br>
+            <a:endParaRPr lang="en-US" sz="1800" dirty="0" smtClean="0"/>
+          </a:p>
+          <a:p>
+            <a:pPr>
+              <a:buFont typeface="Courier New" panose="02070309020205020404" pitchFamily="49" charset="0"/>
+              <a:buChar char="o"/>
+            </a:pPr>
+            <a:r>
+              <a:rPr lang="en-US" dirty="0" smtClean="0"/>
+              <a:t> Documentation sur les </a:t>
+            </a:r>
+            <a:r>
+              <a:rPr lang="en-US" dirty="0" err="1" smtClean="0"/>
+              <a:t>métriques</a:t>
+            </a:r>
+            <a:r>
+              <a:rPr lang="en-US" dirty="0" smtClean="0"/>
+              <a:t> :</a:t>
+            </a:r>
+          </a:p>
+          <a:p>
+            <a:pPr lvl="1">
+              <a:buFont typeface="Wingdings" panose="05000000000000000000" pitchFamily="2" charset="2"/>
+              <a:buChar char="Ø"/>
+            </a:pPr>
+            <a:r>
+              <a:rPr lang="en-US" sz="1800" dirty="0"/>
+              <a:t>http://</a:t>
+            </a:r>
+            <a:r>
+              <a:rPr lang="en-US" sz="1800" dirty="0" smtClean="0"/>
+              <a:t>pscodehealth.rtfd.io/en/latest/Metrics</a:t>
+            </a:r>
+          </a:p>
+          <a:p>
+            <a:pPr marL="45720" indent="0">
+              <a:buNone/>
+            </a:pPr>
+            <a:endParaRPr lang="en-US" dirty="0" smtClean="0"/>
+          </a:p>
+          <a:p>
+            <a:pPr>
+              <a:buFont typeface="Courier New" panose="02070309020205020404" pitchFamily="49" charset="0"/>
+              <a:buChar char="o"/>
+            </a:pPr>
+            <a:r>
+              <a:rPr lang="en-US" dirty="0" smtClean="0"/>
+              <a:t> PowerShell Gallery :</a:t>
+            </a:r>
+          </a:p>
+          <a:p>
+            <a:pPr lvl="1">
+              <a:buFont typeface="Wingdings" panose="05000000000000000000" pitchFamily="2" charset="2"/>
+              <a:buChar char="Ø"/>
+            </a:pPr>
+            <a:r>
+              <a:rPr lang="en-US" sz="1800" dirty="0"/>
+              <a:t>https://</a:t>
+            </a:r>
+            <a:r>
+              <a:rPr lang="en-US" sz="1800" dirty="0" smtClean="0"/>
+              <a:t>www.powershellgallery.com/packages/PSCodeHealth</a:t>
+            </a:r>
+            <a:br>
+              <a:rPr lang="en-US" sz="1800" dirty="0" smtClean="0"/>
+            </a:br>
+            <a:endParaRPr lang="en-US" sz="1800" dirty="0" smtClean="0"/>
+          </a:p>
+          <a:p>
+            <a:pPr>
+              <a:buFont typeface="Courier New" panose="02070309020205020404" pitchFamily="49" charset="0"/>
+              <a:buChar char="o"/>
+            </a:pPr>
+            <a:r>
+              <a:rPr lang="en-US" dirty="0" smtClean="0"/>
+              <a:t> </a:t>
+            </a:r>
+            <a:r>
+              <a:rPr lang="en-IE" dirty="0"/>
+              <a:t>PowerShell Best Practices and Style </a:t>
+            </a:r>
+            <a:r>
+              <a:rPr lang="en-IE" dirty="0" smtClean="0"/>
+              <a:t>Guide :</a:t>
+            </a:r>
+          </a:p>
+          <a:p>
+            <a:pPr lvl="1">
+              <a:buFont typeface="Wingdings" panose="05000000000000000000" pitchFamily="2" charset="2"/>
+              <a:buChar char="Ø"/>
+            </a:pPr>
+            <a:r>
+              <a:rPr lang="en-US" sz="1700" dirty="0"/>
+              <a:t>https://</a:t>
+            </a:r>
+            <a:r>
+              <a:rPr lang="en-US" sz="1700" dirty="0" smtClean="0"/>
+              <a:t>github.com/PoshCode/PowerShellPracticeAndStyle</a:t>
+            </a:r>
+            <a:br>
+              <a:rPr lang="en-US" sz="1700" dirty="0" smtClean="0"/>
+            </a:br>
+            <a:endParaRPr lang="en-US" sz="1700" dirty="0" smtClean="0"/>
+          </a:p>
+          <a:p>
+            <a:pPr>
+              <a:buFont typeface="Courier New" panose="02070309020205020404" pitchFamily="49" charset="0"/>
+              <a:buChar char="o"/>
+            </a:pPr>
+            <a:r>
+              <a:rPr lang="en-US" dirty="0"/>
+              <a:t> </a:t>
+            </a:r>
+            <a:r>
+              <a:rPr lang="en-IE" dirty="0"/>
+              <a:t>Clean Code: A Handbook of Agile Software </a:t>
+            </a:r>
+            <a:r>
+              <a:rPr lang="en-IE" dirty="0" smtClean="0"/>
+              <a:t>Craftsmanship</a:t>
+            </a:r>
+            <a:r>
+              <a:rPr lang="en-US" dirty="0" smtClean="0"/>
+              <a:t/>
+            </a:r>
+            <a:br>
+              <a:rPr lang="en-US" dirty="0" smtClean="0"/>
+            </a:br>
+            <a:endParaRPr lang="en-US" dirty="0" smtClean="0"/>
+          </a:p>
+          <a:p>
+            <a:pPr lvl="1">
+              <a:buFont typeface="Wingdings" panose="05000000000000000000" pitchFamily="2" charset="2"/>
+              <a:buChar char="Ø"/>
+            </a:pPr>
+            <a:endParaRPr lang="en-US" dirty="0" smtClean="0"/>
+          </a:p>
+          <a:p>
+            <a:pPr lvl="1">
+              <a:buFont typeface="Wingdings" panose="05000000000000000000" pitchFamily="2" charset="2"/>
+              <a:buChar char="Ø"/>
+            </a:pPr>
+            <a:endParaRPr lang="en-US" dirty="0"/>
+          </a:p>
+        </p:txBody>
+      </p:sp>
+    </p:spTree>
+    <p:extLst>
+      <p:ext uri="{BB962C8B-B14F-4D97-AF65-F5344CB8AC3E}">
+        <p14:creationId xmlns:p14="http://schemas.microsoft.com/office/powerpoint/2010/main" val="338941712"/>
+      </p:ext>
+    </p:extLst>
+  </p:cSld>
+  <p:clrMapOvr>
+    <a:masterClrMapping/>
+  </p:clrMapOvr>
+  <p:timing>
+    <p:tnLst>
+      <p:par>
+        <p:cTn id="1" dur="indefinite" restart="never" nodeType="tmRoot"/>
+      </p:par>
+    </p:tnLst>
+  </p:timing>
+</p:sld>
+</file>
+
+<file path=ppt/slides/slide22.xml><?xml version="1.0" encoding="utf-8"?>
+<p:sld xmlns:a="http://schemas.openxmlformats.org/drawingml/2006/main" xmlns:r="http://schemas.openxmlformats.org/officeDocument/2006/relationships" xmlns:p="http://schemas.openxmlformats.org/presentationml/2006/main">
+  <p:cSld>
+    <p:spTree>
+      <p:nvGrpSpPr>
+        <p:cNvPr id="1" name=""/>
+        <p:cNvGrpSpPr/>
+        <p:nvPr/>
+      </p:nvGrpSpPr>
+      <p:grpSpPr>
+        <a:xfrm>
+          <a:off x="0" y="0"/>
+          <a:ext cx="0" cy="0"/>
+          <a:chOff x="0" y="0"/>
+          <a:chExt cx="0" cy="0"/>
+        </a:xfrm>
+      </p:grpSpPr>
+      <p:sp>
+        <p:nvSpPr>
+          <p:cNvPr id="2" name="Title 1"/>
+          <p:cNvSpPr>
+            <a:spLocks noGrp="1"/>
+          </p:cNvSpPr>
+          <p:nvPr>
+            <p:ph type="title"/>
+          </p:nvPr>
+        </p:nvSpPr>
+        <p:spPr>
+          <a:xfrm>
+            <a:off x="1600200" y="304800"/>
+            <a:ext cx="6512511" cy="1143000"/>
+          </a:xfrm>
+        </p:spPr>
+        <p:txBody>
+          <a:bodyPr/>
+          <a:lstStyle/>
+          <a:p>
+            <a:pPr marL="0" indent="0" algn="ctr">
+              <a:buNone/>
+            </a:pPr>
+            <a:r>
+              <a:rPr lang="en-US" dirty="0" smtClean="0"/>
+              <a:t>Questions</a:t>
+            </a:r>
+            <a:endParaRPr lang="en-US" dirty="0"/>
+          </a:p>
+        </p:txBody>
+      </p:sp>
+      <p:pic>
+        <p:nvPicPr>
+          <p:cNvPr id="4" name="Picture 3"/>
+          <p:cNvPicPr>
+            <a:picLocks noChangeAspect="1"/>
+          </p:cNvPicPr>
+          <p:nvPr/>
+        </p:nvPicPr>
+        <p:blipFill>
+          <a:blip r:embed="rId2">
+            <a:extLst>
+              <a:ext uri="{28A0092B-C50C-407E-A947-70E740481C1C}">
+                <a14:useLocalDpi xmlns:a14="http://schemas.microsoft.com/office/drawing/2010/main" val="0"/>
+              </a:ext>
+            </a:extLst>
+          </a:blip>
+          <a:stretch>
+            <a:fillRect/>
+          </a:stretch>
+        </p:blipFill>
+        <p:spPr>
+          <a:xfrm>
+            <a:off x="3276600" y="2103120"/>
+            <a:ext cx="2514600" cy="2514600"/>
+          </a:xfrm>
+          <a:prstGeom prst="rect">
+            <a:avLst/>
+          </a:prstGeom>
+        </p:spPr>
+      </p:pic>
+    </p:spTree>
+    <p:extLst>
+      <p:ext uri="{BB962C8B-B14F-4D97-AF65-F5344CB8AC3E}">
+        <p14:creationId xmlns:p14="http://schemas.microsoft.com/office/powerpoint/2010/main" val="3489554293"/>
       </p:ext>
     </p:extLst>
   </p:cSld>
